--- a/Presentasi Kelompok Tommy.pptx
+++ b/Presentasi Kelompok Tommy.pptx
@@ -5,7 +5,7 @@
     <p:sldMasterId id="2147483648" r:id="rId1"/>
   </p:sldMasterIdLst>
   <p:notesMasterIdLst>
-    <p:notesMasterId r:id="rId18"/>
+    <p:notesMasterId r:id="rId28"/>
   </p:notesMasterIdLst>
   <p:sldIdLst>
     <p:sldId id="256" r:id="rId2"/>
@@ -22,8 +22,18 @@
     <p:sldId id="274" r:id="rId13"/>
     <p:sldId id="277" r:id="rId14"/>
     <p:sldId id="278" r:id="rId15"/>
-    <p:sldId id="279" r:id="rId16"/>
-    <p:sldId id="257" r:id="rId17"/>
+    <p:sldId id="281" r:id="rId16"/>
+    <p:sldId id="292" r:id="rId17"/>
+    <p:sldId id="282" r:id="rId18"/>
+    <p:sldId id="293" r:id="rId19"/>
+    <p:sldId id="290" r:id="rId20"/>
+    <p:sldId id="280" r:id="rId21"/>
+    <p:sldId id="285" r:id="rId22"/>
+    <p:sldId id="286" r:id="rId23"/>
+    <p:sldId id="287" r:id="rId24"/>
+    <p:sldId id="288" r:id="rId25"/>
+    <p:sldId id="289" r:id="rId26"/>
+    <p:sldId id="257" r:id="rId27"/>
   </p:sldIdLst>
   <p:sldSz cx="12192000" cy="6858000"/>
   <p:notesSz cx="6858000" cy="9144000"/>
@@ -141,7 +151,17 @@
             <p14:sldId id="274"/>
             <p14:sldId id="277"/>
             <p14:sldId id="278"/>
-            <p14:sldId id="279"/>
+            <p14:sldId id="281"/>
+            <p14:sldId id="292"/>
+            <p14:sldId id="282"/>
+            <p14:sldId id="293"/>
+            <p14:sldId id="290"/>
+            <p14:sldId id="280"/>
+            <p14:sldId id="285"/>
+            <p14:sldId id="286"/>
+            <p14:sldId id="287"/>
+            <p14:sldId id="288"/>
+            <p14:sldId id="289"/>
           </p14:sldIdLst>
         </p14:section>
         <p14:section name="Get Office Mix" id="{32B75562-62DF-4F48-B02C-00B552FEB3B0}">
@@ -651,6 +671,486 @@
 </p:notes>
 </file>
 
+<file path=ppt/notesSlides/notesSlide2.xml><?xml version="1.0" encoding="utf-8"?>
+<p:notes xmlns:a="http://schemas.openxmlformats.org/drawingml/2006/main" xmlns:r="http://schemas.openxmlformats.org/officeDocument/2006/relationships" xmlns:p="http://schemas.openxmlformats.org/presentationml/2006/main">
+  <p:cSld>
+    <p:spTree>
+      <p:nvGrpSpPr>
+        <p:cNvPr id="1" name=""/>
+        <p:cNvGrpSpPr/>
+        <p:nvPr/>
+      </p:nvGrpSpPr>
+      <p:grpSpPr>
+        <a:xfrm>
+          <a:off x="0" y="0"/>
+          <a:ext cx="0" cy="0"/>
+          <a:chOff x="0" y="0"/>
+          <a:chExt cx="0" cy="0"/>
+        </a:xfrm>
+      </p:grpSpPr>
+      <p:sp>
+        <p:nvSpPr>
+          <p:cNvPr id="2" name="Slide Image Placeholder 1"/>
+          <p:cNvSpPr>
+            <a:spLocks noGrp="1" noRot="1" noChangeAspect="1"/>
+          </p:cNvSpPr>
+          <p:nvPr>
+            <p:ph type="sldImg"/>
+          </p:nvPr>
+        </p:nvSpPr>
+        <p:spPr/>
+      </p:sp>
+      <p:sp>
+        <p:nvSpPr>
+          <p:cNvPr id="3" name="Notes Placeholder 2"/>
+          <p:cNvSpPr>
+            <a:spLocks noGrp="1"/>
+          </p:cNvSpPr>
+          <p:nvPr>
+            <p:ph type="body" idx="1"/>
+          </p:nvPr>
+        </p:nvSpPr>
+        <p:spPr/>
+        <p:txBody>
+          <a:bodyPr/>
+          <a:lstStyle/>
+          <a:p>
+            <a:pPr fontAlgn="base"/>
+            <a:r>
+              <a:rPr lang="en-US" sz="1200" b="0" i="0" kern="1200" dirty="0" smtClean="0">
+                <a:solidFill>
+                  <a:schemeClr val="tx1"/>
+                </a:solidFill>
+                <a:effectLst/>
+                <a:latin typeface="+mn-lt"/>
+                <a:ea typeface="+mn-ea"/>
+                <a:cs typeface="+mn-cs"/>
+              </a:rPr>
+              <a:t>Key points:</a:t>
+            </a:r>
+          </a:p>
+          <a:p>
+            <a:pPr fontAlgn="base"/>
+            <a:r>
+              <a:rPr lang="en-US" sz="1200" b="1" i="0" kern="1200" dirty="0" smtClean="0">
+                <a:solidFill>
+                  <a:schemeClr val="tx1"/>
+                </a:solidFill>
+                <a:effectLst/>
+                <a:latin typeface="+mn-lt"/>
+                <a:ea typeface="+mn-ea"/>
+                <a:cs typeface="+mn-cs"/>
+              </a:rPr>
+              <a:t>Policy iteration</a:t>
+            </a:r>
+            <a:r>
+              <a:rPr lang="en-US" sz="1200" b="0" i="0" kern="1200" dirty="0" smtClean="0">
+                <a:solidFill>
+                  <a:schemeClr val="tx1"/>
+                </a:solidFill>
+                <a:effectLst/>
+                <a:latin typeface="+mn-lt"/>
+                <a:ea typeface="+mn-ea"/>
+                <a:cs typeface="+mn-cs"/>
+              </a:rPr>
+              <a:t> includes: </a:t>
+            </a:r>
+            <a:r>
+              <a:rPr lang="en-US" sz="1200" b="1" i="0" kern="1200" dirty="0" smtClean="0">
+                <a:solidFill>
+                  <a:schemeClr val="tx1"/>
+                </a:solidFill>
+                <a:effectLst/>
+                <a:latin typeface="+mn-lt"/>
+                <a:ea typeface="+mn-ea"/>
+                <a:cs typeface="+mn-cs"/>
+              </a:rPr>
+              <a:t>policy evaluation</a:t>
+            </a:r>
+            <a:r>
+              <a:rPr lang="en-US" sz="1200" b="0" i="0" kern="1200" dirty="0" smtClean="0">
+                <a:solidFill>
+                  <a:schemeClr val="tx1"/>
+                </a:solidFill>
+                <a:effectLst/>
+                <a:latin typeface="+mn-lt"/>
+                <a:ea typeface="+mn-ea"/>
+                <a:cs typeface="+mn-cs"/>
+              </a:rPr>
+              <a:t> + </a:t>
+            </a:r>
+            <a:r>
+              <a:rPr lang="en-US" sz="1200" b="1" i="0" kern="1200" dirty="0" smtClean="0">
+                <a:solidFill>
+                  <a:schemeClr val="tx1"/>
+                </a:solidFill>
+                <a:effectLst/>
+                <a:latin typeface="+mn-lt"/>
+                <a:ea typeface="+mn-ea"/>
+                <a:cs typeface="+mn-cs"/>
+              </a:rPr>
+              <a:t>policy improvement</a:t>
+            </a:r>
+            <a:r>
+              <a:rPr lang="en-US" sz="1200" b="0" i="0" kern="1200" dirty="0" smtClean="0">
+                <a:solidFill>
+                  <a:schemeClr val="tx1"/>
+                </a:solidFill>
+                <a:effectLst/>
+                <a:latin typeface="+mn-lt"/>
+                <a:ea typeface="+mn-ea"/>
+                <a:cs typeface="+mn-cs"/>
+              </a:rPr>
+              <a:t>, and the two are repeated iteratively until policy converges.</a:t>
+            </a:r>
+          </a:p>
+          <a:p>
+            <a:pPr fontAlgn="base"/>
+            <a:r>
+              <a:rPr lang="en-US" sz="1200" b="1" i="0" kern="1200" dirty="0" smtClean="0">
+                <a:solidFill>
+                  <a:schemeClr val="tx1"/>
+                </a:solidFill>
+                <a:effectLst/>
+                <a:latin typeface="+mn-lt"/>
+                <a:ea typeface="+mn-ea"/>
+                <a:cs typeface="+mn-cs"/>
+              </a:rPr>
+              <a:t>Value iteration</a:t>
+            </a:r>
+            <a:r>
+              <a:rPr lang="en-US" sz="1200" b="0" i="0" kern="1200" dirty="0" smtClean="0">
+                <a:solidFill>
+                  <a:schemeClr val="tx1"/>
+                </a:solidFill>
+                <a:effectLst/>
+                <a:latin typeface="+mn-lt"/>
+                <a:ea typeface="+mn-ea"/>
+                <a:cs typeface="+mn-cs"/>
+              </a:rPr>
+              <a:t> includes: </a:t>
+            </a:r>
+            <a:r>
+              <a:rPr lang="en-US" sz="1200" b="1" i="0" kern="1200" dirty="0" smtClean="0">
+                <a:solidFill>
+                  <a:schemeClr val="tx1"/>
+                </a:solidFill>
+                <a:effectLst/>
+                <a:latin typeface="+mn-lt"/>
+                <a:ea typeface="+mn-ea"/>
+                <a:cs typeface="+mn-cs"/>
+              </a:rPr>
+              <a:t>finding optimal value function</a:t>
+            </a:r>
+            <a:r>
+              <a:rPr lang="en-US" sz="1200" b="0" i="0" kern="1200" dirty="0" smtClean="0">
+                <a:solidFill>
+                  <a:schemeClr val="tx1"/>
+                </a:solidFill>
+                <a:effectLst/>
+                <a:latin typeface="+mn-lt"/>
+                <a:ea typeface="+mn-ea"/>
+                <a:cs typeface="+mn-cs"/>
+              </a:rPr>
+              <a:t> + one </a:t>
+            </a:r>
+            <a:r>
+              <a:rPr lang="en-US" sz="1200" b="1" i="0" kern="1200" dirty="0" smtClean="0">
+                <a:solidFill>
+                  <a:schemeClr val="tx1"/>
+                </a:solidFill>
+                <a:effectLst/>
+                <a:latin typeface="+mn-lt"/>
+                <a:ea typeface="+mn-ea"/>
+                <a:cs typeface="+mn-cs"/>
+              </a:rPr>
+              <a:t>policy extraction</a:t>
+            </a:r>
+            <a:r>
+              <a:rPr lang="en-US" sz="1200" b="0" i="0" kern="1200" dirty="0" smtClean="0">
+                <a:solidFill>
+                  <a:schemeClr val="tx1"/>
+                </a:solidFill>
+                <a:effectLst/>
+                <a:latin typeface="+mn-lt"/>
+                <a:ea typeface="+mn-ea"/>
+                <a:cs typeface="+mn-cs"/>
+              </a:rPr>
+              <a:t>. There is no repeat of the two because once the value function is optimal, then the policy out of it should also be optimal (i.e. converged).</a:t>
+            </a:r>
+          </a:p>
+          <a:p>
+            <a:pPr fontAlgn="base"/>
+            <a:r>
+              <a:rPr lang="en-US" sz="1200" b="1" i="0" kern="1200" dirty="0" smtClean="0">
+                <a:solidFill>
+                  <a:schemeClr val="tx1"/>
+                </a:solidFill>
+                <a:effectLst/>
+                <a:latin typeface="+mn-lt"/>
+                <a:ea typeface="+mn-ea"/>
+                <a:cs typeface="+mn-cs"/>
+              </a:rPr>
+              <a:t>Finding optimal value function</a:t>
+            </a:r>
+            <a:r>
+              <a:rPr lang="en-US" sz="1200" b="0" i="0" kern="1200" dirty="0" smtClean="0">
+                <a:solidFill>
+                  <a:schemeClr val="tx1"/>
+                </a:solidFill>
+                <a:effectLst/>
+                <a:latin typeface="+mn-lt"/>
+                <a:ea typeface="+mn-ea"/>
+                <a:cs typeface="+mn-cs"/>
+              </a:rPr>
+              <a:t> can also be seen as a combination of policy improvement (due to max) and truncated policy evaluation (the reassignment of v_(s) after just one sweep of all states regardless of convergence).</a:t>
+            </a:r>
+          </a:p>
+          <a:p>
+            <a:pPr fontAlgn="base"/>
+            <a:r>
+              <a:rPr lang="en-US" sz="1200" b="0" i="0" kern="1200" dirty="0" smtClean="0">
+                <a:solidFill>
+                  <a:schemeClr val="tx1"/>
+                </a:solidFill>
+                <a:effectLst/>
+                <a:latin typeface="+mn-lt"/>
+                <a:ea typeface="+mn-ea"/>
+                <a:cs typeface="+mn-cs"/>
+              </a:rPr>
+              <a:t>The algorithms for </a:t>
+            </a:r>
+            <a:r>
+              <a:rPr lang="en-US" sz="1200" b="1" i="0" kern="1200" dirty="0" smtClean="0">
+                <a:solidFill>
+                  <a:schemeClr val="tx1"/>
+                </a:solidFill>
+                <a:effectLst/>
+                <a:latin typeface="+mn-lt"/>
+                <a:ea typeface="+mn-ea"/>
+                <a:cs typeface="+mn-cs"/>
+              </a:rPr>
+              <a:t>policy evaluation</a:t>
+            </a:r>
+            <a:r>
+              <a:rPr lang="en-US" sz="1200" b="0" i="0" kern="1200" dirty="0" smtClean="0">
+                <a:solidFill>
+                  <a:schemeClr val="tx1"/>
+                </a:solidFill>
+                <a:effectLst/>
+                <a:latin typeface="+mn-lt"/>
+                <a:ea typeface="+mn-ea"/>
+                <a:cs typeface="+mn-cs"/>
+              </a:rPr>
+              <a:t> and </a:t>
+            </a:r>
+            <a:r>
+              <a:rPr lang="en-US" sz="1200" b="1" i="0" kern="1200" dirty="0" smtClean="0">
+                <a:solidFill>
+                  <a:schemeClr val="tx1"/>
+                </a:solidFill>
+                <a:effectLst/>
+                <a:latin typeface="+mn-lt"/>
+                <a:ea typeface="+mn-ea"/>
+                <a:cs typeface="+mn-cs"/>
+              </a:rPr>
+              <a:t>finding optimal value function</a:t>
+            </a:r>
+            <a:r>
+              <a:rPr lang="en-US" sz="1200" b="0" i="0" kern="1200" dirty="0" smtClean="0">
+                <a:solidFill>
+                  <a:schemeClr val="tx1"/>
+                </a:solidFill>
+                <a:effectLst/>
+                <a:latin typeface="+mn-lt"/>
+                <a:ea typeface="+mn-ea"/>
+                <a:cs typeface="+mn-cs"/>
+              </a:rPr>
+              <a:t> are highly similar except for a max operation (as highlighted)</a:t>
+            </a:r>
+          </a:p>
+          <a:p>
+            <a:pPr fontAlgn="base"/>
+            <a:r>
+              <a:rPr lang="en-US" sz="1200" b="0" i="0" kern="1200" dirty="0" smtClean="0">
+                <a:solidFill>
+                  <a:schemeClr val="tx1"/>
+                </a:solidFill>
+                <a:effectLst/>
+                <a:latin typeface="+mn-lt"/>
+                <a:ea typeface="+mn-ea"/>
+                <a:cs typeface="+mn-cs"/>
+              </a:rPr>
+              <a:t>Similarly, the key step to </a:t>
+            </a:r>
+            <a:r>
+              <a:rPr lang="en-US" sz="1200" b="1" i="0" kern="1200" dirty="0" smtClean="0">
+                <a:solidFill>
+                  <a:schemeClr val="tx1"/>
+                </a:solidFill>
+                <a:effectLst/>
+                <a:latin typeface="+mn-lt"/>
+                <a:ea typeface="+mn-ea"/>
+                <a:cs typeface="+mn-cs"/>
+              </a:rPr>
+              <a:t>policy improvement</a:t>
+            </a:r>
+            <a:r>
+              <a:rPr lang="en-US" sz="1200" b="0" i="0" kern="1200" dirty="0" smtClean="0">
+                <a:solidFill>
+                  <a:schemeClr val="tx1"/>
+                </a:solidFill>
+                <a:effectLst/>
+                <a:latin typeface="+mn-lt"/>
+                <a:ea typeface="+mn-ea"/>
+                <a:cs typeface="+mn-cs"/>
+              </a:rPr>
+              <a:t> and </a:t>
+            </a:r>
+            <a:r>
+              <a:rPr lang="en-US" sz="1200" b="1" i="0" kern="1200" dirty="0" smtClean="0">
+                <a:solidFill>
+                  <a:schemeClr val="tx1"/>
+                </a:solidFill>
+                <a:effectLst/>
+                <a:latin typeface="+mn-lt"/>
+                <a:ea typeface="+mn-ea"/>
+                <a:cs typeface="+mn-cs"/>
+              </a:rPr>
+              <a:t>policy extraction</a:t>
+            </a:r>
+            <a:r>
+              <a:rPr lang="en-US" sz="1200" b="0" i="0" kern="1200" dirty="0" smtClean="0">
+                <a:solidFill>
+                  <a:schemeClr val="tx1"/>
+                </a:solidFill>
+                <a:effectLst/>
+                <a:latin typeface="+mn-lt"/>
+                <a:ea typeface="+mn-ea"/>
+                <a:cs typeface="+mn-cs"/>
+              </a:rPr>
+              <a:t> are identical except the former involves a stability check.</a:t>
+            </a:r>
+          </a:p>
+          <a:p>
+            <a:pPr fontAlgn="base"/>
+            <a:r>
+              <a:rPr lang="en-US" sz="1200" b="0" i="0" kern="1200" dirty="0" smtClean="0">
+                <a:solidFill>
+                  <a:schemeClr val="tx1"/>
+                </a:solidFill>
+                <a:effectLst/>
+                <a:latin typeface="+mn-lt"/>
+                <a:ea typeface="+mn-ea"/>
+                <a:cs typeface="+mn-cs"/>
+              </a:rPr>
+              <a:t>In my experience, </a:t>
+            </a:r>
+            <a:r>
+              <a:rPr lang="en-US" sz="1200" b="0" i="1" kern="1200" dirty="0" smtClean="0">
+                <a:solidFill>
+                  <a:schemeClr val="tx1"/>
+                </a:solidFill>
+                <a:effectLst/>
+                <a:latin typeface="+mn-lt"/>
+                <a:ea typeface="+mn-ea"/>
+                <a:cs typeface="+mn-cs"/>
+              </a:rPr>
+              <a:t>policy iteration</a:t>
+            </a:r>
+            <a:r>
+              <a:rPr lang="en-US" sz="1200" b="0" i="0" kern="1200" dirty="0" smtClean="0">
+                <a:solidFill>
+                  <a:schemeClr val="tx1"/>
+                </a:solidFill>
+                <a:effectLst/>
+                <a:latin typeface="+mn-lt"/>
+                <a:ea typeface="+mn-ea"/>
+                <a:cs typeface="+mn-cs"/>
+              </a:rPr>
+              <a:t> is faster than </a:t>
+            </a:r>
+            <a:r>
+              <a:rPr lang="en-US" sz="1200" b="0" i="1" kern="1200" dirty="0" smtClean="0">
+                <a:solidFill>
+                  <a:schemeClr val="tx1"/>
+                </a:solidFill>
+                <a:effectLst/>
+                <a:latin typeface="+mn-lt"/>
+                <a:ea typeface="+mn-ea"/>
+                <a:cs typeface="+mn-cs"/>
+              </a:rPr>
+              <a:t>value iteration</a:t>
+            </a:r>
+            <a:r>
+              <a:rPr lang="en-US" sz="1200" b="0" i="0" kern="1200" dirty="0" smtClean="0">
+                <a:solidFill>
+                  <a:schemeClr val="tx1"/>
+                </a:solidFill>
+                <a:effectLst/>
+                <a:latin typeface="+mn-lt"/>
+                <a:ea typeface="+mn-ea"/>
+                <a:cs typeface="+mn-cs"/>
+              </a:rPr>
+              <a:t>, as a policy converges more quickly than a value function. I remember this is also described in the book.</a:t>
+            </a:r>
+          </a:p>
+          <a:p>
+            <a:pPr fontAlgn="base"/>
+            <a:r>
+              <a:rPr lang="en-US" sz="1200" b="0" i="0" kern="1200" dirty="0" smtClean="0">
+                <a:solidFill>
+                  <a:schemeClr val="tx1"/>
+                </a:solidFill>
+                <a:effectLst/>
+                <a:latin typeface="+mn-lt"/>
+                <a:ea typeface="+mn-ea"/>
+                <a:cs typeface="+mn-cs"/>
+              </a:rPr>
+              <a:t>I guess the confusion mainly came from all these somewhat similar terms, which also confused me before.</a:t>
+            </a:r>
+          </a:p>
+          <a:p>
+            <a:endParaRPr lang="en-US" dirty="0"/>
+          </a:p>
+        </p:txBody>
+      </p:sp>
+      <p:sp>
+        <p:nvSpPr>
+          <p:cNvPr id="4" name="Slide Number Placeholder 3"/>
+          <p:cNvSpPr>
+            <a:spLocks noGrp="1"/>
+          </p:cNvSpPr>
+          <p:nvPr>
+            <p:ph type="sldNum" sz="quarter" idx="10"/>
+          </p:nvPr>
+        </p:nvSpPr>
+        <p:spPr/>
+        <p:txBody>
+          <a:bodyPr/>
+          <a:lstStyle/>
+          <a:p>
+            <a:fld id="{B02BE67B-2C32-4802-A81D-5FD8EA0D9546}" type="slidenum">
+              <a:rPr lang="en-US" smtClean="0"/>
+              <a:t>19</a:t>
+            </a:fld>
+            <a:endParaRPr lang="en-US"/>
+          </a:p>
+        </p:txBody>
+      </p:sp>
+    </p:spTree>
+    <p:extLst>
+      <p:ext uri="{BB962C8B-B14F-4D97-AF65-F5344CB8AC3E}">
+        <p14:creationId xmlns:p14="http://schemas.microsoft.com/office/powerpoint/2010/main" val="2679307569"/>
+      </p:ext>
+    </p:extLst>
+  </p:cSld>
+  <p:clrMapOvr>
+    <a:masterClrMapping/>
+  </p:clrMapOvr>
+</p:notes>
+</file>
+
 <file path=ppt/slideLayouts/slideLayout1.xml><?xml version="1.0" encoding="utf-8"?>
 <p:sldLayout xmlns:a="http://schemas.openxmlformats.org/drawingml/2006/main" xmlns:r="http://schemas.openxmlformats.org/officeDocument/2006/relationships" xmlns:p="http://schemas.openxmlformats.org/presentationml/2006/main" preserve="1" userDrawn="1">
   <p:cSld name="Title Slide">
@@ -988,7 +1488,7 @@
             </a:ln>
             <a:extLst>
               <a:ext uri="{91240B29-F687-4f45-9708-019B960494DF}">
-                <a14:hiddenLine xmlns:a14="http://schemas.microsoft.com/office/drawing/2010/main" xmlns="" w="9525">
+                <a14:hiddenLine xmlns="" xmlns:a14="http://schemas.microsoft.com/office/drawing/2010/main" w="9525">
                   <a:solidFill>
                     <a:srgbClr val="000000"/>
                   </a:solidFill>
@@ -1222,7 +1722,7 @@
             </a:ln>
             <a:extLst>
               <a:ext uri="{91240B29-F687-4f45-9708-019B960494DF}">
-                <a14:hiddenLine xmlns:a14="http://schemas.microsoft.com/office/drawing/2010/main" xmlns="" w="9525">
+                <a14:hiddenLine xmlns="" xmlns:a14="http://schemas.microsoft.com/office/drawing/2010/main" w="9525">
                   <a:solidFill>
                     <a:srgbClr val="000000"/>
                   </a:solidFill>
@@ -1456,7 +1956,7 @@
             </a:ln>
             <a:extLst>
               <a:ext uri="{91240B29-F687-4f45-9708-019B960494DF}">
-                <a14:hiddenLine xmlns:a14="http://schemas.microsoft.com/office/drawing/2010/main" xmlns="" w="9525">
+                <a14:hiddenLine xmlns="" xmlns:a14="http://schemas.microsoft.com/office/drawing/2010/main" w="9525">
                   <a:solidFill>
                     <a:srgbClr val="000000"/>
                   </a:solidFill>
@@ -1649,7 +2149,7 @@
             </a:ln>
             <a:extLst>
               <a:ext uri="{91240B29-F687-4f45-9708-019B960494DF}">
-                <a14:hiddenLine xmlns:a14="http://schemas.microsoft.com/office/drawing/2010/main" xmlns="" w="9525">
+                <a14:hiddenLine xmlns="" xmlns:a14="http://schemas.microsoft.com/office/drawing/2010/main" w="9525">
                   <a:solidFill>
                     <a:srgbClr val="000000"/>
                   </a:solidFill>
@@ -1853,7 +2353,7 @@
             </a:ln>
             <a:extLst>
               <a:ext uri="{91240B29-F687-4f45-9708-019B960494DF}">
-                <a14:hiddenLine xmlns:a14="http://schemas.microsoft.com/office/drawing/2010/main" xmlns="" w="9525">
+                <a14:hiddenLine xmlns="" xmlns:a14="http://schemas.microsoft.com/office/drawing/2010/main" w="9525">
                   <a:solidFill>
                     <a:srgbClr val="000000"/>
                   </a:solidFill>
@@ -2104,7 +2604,7 @@
             </a:ln>
             <a:extLst>
               <a:ext uri="{91240B29-F687-4f45-9708-019B960494DF}">
-                <a14:hiddenLine xmlns:a14="http://schemas.microsoft.com/office/drawing/2010/main" xmlns="" w="9525">
+                <a14:hiddenLine xmlns="" xmlns:a14="http://schemas.microsoft.com/office/drawing/2010/main" w="9525">
                   <a:solidFill>
                     <a:srgbClr val="000000"/>
                   </a:solidFill>
@@ -2418,7 +2918,7 @@
             </a:ln>
             <a:extLst>
               <a:ext uri="{91240B29-F687-4f45-9708-019B960494DF}">
-                <a14:hiddenLine xmlns:a14="http://schemas.microsoft.com/office/drawing/2010/main" xmlns="" w="9525">
+                <a14:hiddenLine xmlns="" xmlns:a14="http://schemas.microsoft.com/office/drawing/2010/main" w="9525">
                   <a:solidFill>
                     <a:srgbClr val="000000"/>
                   </a:solidFill>
@@ -2611,7 +3111,7 @@
             </a:ln>
             <a:extLst>
               <a:ext uri="{91240B29-F687-4f45-9708-019B960494DF}">
-                <a14:hiddenLine xmlns:a14="http://schemas.microsoft.com/office/drawing/2010/main" xmlns="" w="9525">
+                <a14:hiddenLine xmlns="" xmlns:a14="http://schemas.microsoft.com/office/drawing/2010/main" w="9525">
                   <a:solidFill>
                     <a:srgbClr val="000000"/>
                   </a:solidFill>
@@ -2855,7 +3355,7 @@
             </a:ln>
             <a:extLst>
               <a:ext uri="{91240B29-F687-4f45-9708-019B960494DF}">
-                <a14:hiddenLine xmlns:a14="http://schemas.microsoft.com/office/drawing/2010/main" xmlns="" w="9525">
+                <a14:hiddenLine xmlns="" xmlns:a14="http://schemas.microsoft.com/office/drawing/2010/main" w="9525">
                   <a:solidFill>
                     <a:srgbClr val="000000"/>
                   </a:solidFill>
@@ -2953,7 +3453,7 @@
             </a:ln>
             <a:extLst>
               <a:ext uri="{91240B29-F687-4f45-9708-019B960494DF}">
-                <a14:hiddenLine xmlns:a14="http://schemas.microsoft.com/office/drawing/2010/main" xmlns="" w="9525">
+                <a14:hiddenLine xmlns="" xmlns:a14="http://schemas.microsoft.com/office/drawing/2010/main" w="9525">
                   <a:solidFill>
                     <a:srgbClr val="000000"/>
                   </a:solidFill>
@@ -3051,7 +3551,7 @@
             </a:ln>
             <a:extLst>
               <a:ext uri="{91240B29-F687-4f45-9708-019B960494DF}">
-                <a14:hiddenLine xmlns:a14="http://schemas.microsoft.com/office/drawing/2010/main" xmlns="" w="9525">
+                <a14:hiddenLine xmlns="" xmlns:a14="http://schemas.microsoft.com/office/drawing/2010/main" w="9525">
                   <a:solidFill>
                     <a:srgbClr val="000000"/>
                   </a:solidFill>
@@ -3149,7 +3649,7 @@
             </a:ln>
             <a:extLst>
               <a:ext uri="{91240B29-F687-4f45-9708-019B960494DF}">
-                <a14:hiddenLine xmlns:a14="http://schemas.microsoft.com/office/drawing/2010/main" xmlns="" w="9525">
+                <a14:hiddenLine xmlns="" xmlns:a14="http://schemas.microsoft.com/office/drawing/2010/main" w="9525">
                   <a:solidFill>
                     <a:srgbClr val="000000"/>
                   </a:solidFill>
@@ -3390,7 +3890,7 @@
             </a:ln>
             <a:extLst>
               <a:ext uri="{91240B29-F687-4f45-9708-019B960494DF}">
-                <a14:hiddenLine xmlns:a14="http://schemas.microsoft.com/office/drawing/2010/main" xmlns="" w="9525">
+                <a14:hiddenLine xmlns="" xmlns:a14="http://schemas.microsoft.com/office/drawing/2010/main" w="9525">
                   <a:solidFill>
                     <a:srgbClr val="000000"/>
                   </a:solidFill>
@@ -6688,7 +7188,11 @@
           <a:p>
             <a:r>
               <a:rPr lang="en-US" dirty="0" smtClean="0"/>
-              <a:t>Value &amp; Policy Iteration</a:t>
+              <a:t>Value &amp; Policy </a:t>
+            </a:r>
+            <a:r>
+              <a:rPr lang="en-US" dirty="0" smtClean="0"/>
+              <a:t>Iteration , Q Learning</a:t>
             </a:r>
             <a:endParaRPr lang="en-US" dirty="0"/>
           </a:p>
@@ -6696,26 +7200,7 @@
       </p:sp>
       <p:sp>
         <p:nvSpPr>
-          <p:cNvPr id="3" name="Content Placeholder 2"/>
-          <p:cNvSpPr>
-            <a:spLocks noGrp="1"/>
-          </p:cNvSpPr>
-          <p:nvPr>
-            <p:ph idx="1"/>
-          </p:nvPr>
-        </p:nvSpPr>
-        <p:spPr/>
-        <p:txBody>
-          <a:bodyPr/>
-          <a:lstStyle/>
-          <a:p>
-            <a:endParaRPr lang="en-US" dirty="0"/>
-          </a:p>
-        </p:txBody>
-      </p:sp>
-      <p:sp>
-        <p:nvSpPr>
-          <p:cNvPr id="4" name="Content Placeholder 3"/>
+          <p:cNvPr id="5" name="Content Placeholder 3"/>
           <p:cNvSpPr>
             <a:spLocks noGrp="1"/>
           </p:cNvSpPr>
@@ -6723,12 +7208,387 @@
             <p:ph sz="quarter" idx="11"/>
           </p:nvPr>
         </p:nvSpPr>
-        <p:spPr/>
+        <p:spPr>
+          <a:xfrm>
+            <a:off x="560614" y="1743721"/>
+            <a:ext cx="4733925" cy="512762"/>
+          </a:xfrm>
+        </p:spPr>
         <p:txBody>
           <a:bodyPr/>
           <a:lstStyle/>
           <a:p>
+            <a:r>
+              <a:rPr lang="en-US" sz="1600" dirty="0" smtClean="0"/>
+              <a:t>TAHAPAN :</a:t>
+            </a:r>
+            <a:endParaRPr lang="en-US" sz="1600" dirty="0"/>
+          </a:p>
+        </p:txBody>
+      </p:sp>
+      <p:sp>
+        <p:nvSpPr>
+          <p:cNvPr id="6" name="Content Placeholder 3"/>
+          <p:cNvSpPr>
+            <a:spLocks noGrp="1"/>
+          </p:cNvSpPr>
+          <p:nvPr>
+            <p:ph sz="quarter" idx="11"/>
+          </p:nvPr>
+        </p:nvSpPr>
+        <p:spPr>
+          <a:xfrm>
+            <a:off x="560613" y="2256483"/>
+            <a:ext cx="4733925" cy="512762"/>
+          </a:xfrm>
+        </p:spPr>
+        <p:txBody>
+          <a:bodyPr/>
+          <a:lstStyle/>
+          <a:p>
+            <a:r>
+              <a:rPr lang="en-US" sz="1600" dirty="0" smtClean="0"/>
+              <a:t>Reviewing the </a:t>
+            </a:r>
+            <a:endParaRPr lang="en-US" sz="1600" dirty="0" smtClean="0"/>
+          </a:p>
+          <a:p>
+            <a:r>
+              <a:rPr lang="en-US" sz="2400" dirty="0" smtClean="0"/>
+              <a:t>Markov Decision Process</a:t>
+            </a:r>
+          </a:p>
+          <a:p>
+            <a:r>
+              <a:rPr lang="en-US" sz="1600" dirty="0" smtClean="0"/>
+              <a:t>formulation</a:t>
+            </a:r>
+            <a:endParaRPr lang="en-US" sz="1600" dirty="0"/>
+          </a:p>
+        </p:txBody>
+      </p:sp>
+      <p:sp>
+        <p:nvSpPr>
+          <p:cNvPr id="7" name="Right Arrow 6"/>
+          <p:cNvSpPr/>
+          <p:nvPr/>
+        </p:nvSpPr>
+        <p:spPr>
+          <a:xfrm rot="1235352">
+            <a:off x="4666583" y="3059266"/>
+            <a:ext cx="1645920" cy="512762"/>
+          </a:xfrm>
+          <a:prstGeom prst="rightArrow">
+            <a:avLst/>
+          </a:prstGeom>
+        </p:spPr>
+        <p:style>
+          <a:lnRef idx="2">
+            <a:schemeClr val="dk1">
+              <a:shade val="50000"/>
+            </a:schemeClr>
+          </a:lnRef>
+          <a:fillRef idx="1">
+            <a:schemeClr val="dk1"/>
+          </a:fillRef>
+          <a:effectRef idx="0">
+            <a:schemeClr val="dk1"/>
+          </a:effectRef>
+          <a:fontRef idx="minor">
+            <a:schemeClr val="lt1"/>
+          </a:fontRef>
+        </p:style>
+        <p:txBody>
+          <a:bodyPr rtlCol="0" anchor="ctr"/>
+          <a:lstStyle/>
+          <a:p>
+            <a:pPr algn="ctr"/>
             <a:endParaRPr lang="en-US"/>
+          </a:p>
+        </p:txBody>
+      </p:sp>
+      <p:sp>
+        <p:nvSpPr>
+          <p:cNvPr id="8" name="Content Placeholder 3"/>
+          <p:cNvSpPr>
+            <a:spLocks noGrp="1"/>
+          </p:cNvSpPr>
+          <p:nvPr>
+            <p:ph sz="quarter" idx="11"/>
+          </p:nvPr>
+        </p:nvSpPr>
+        <p:spPr>
+          <a:xfrm>
+            <a:off x="6708262" y="3059266"/>
+            <a:ext cx="4733925" cy="512762"/>
+          </a:xfrm>
+        </p:spPr>
+        <p:txBody>
+          <a:bodyPr/>
+          <a:lstStyle/>
+          <a:p>
+            <a:r>
+              <a:rPr lang="en-US" sz="1600" dirty="0" smtClean="0"/>
+              <a:t>Describe the</a:t>
+            </a:r>
+          </a:p>
+          <a:p>
+            <a:r>
+              <a:rPr lang="en-US" sz="2400" dirty="0" smtClean="0"/>
+              <a:t>Value &amp; Policy Iteration</a:t>
+            </a:r>
+          </a:p>
+          <a:p>
+            <a:r>
+              <a:rPr lang="en-US" sz="1400" i="1" dirty="0" err="1" smtClean="0"/>
+              <a:t>Menentukan</a:t>
+            </a:r>
+            <a:r>
+              <a:rPr lang="en-US" sz="1400" i="1" dirty="0" smtClean="0"/>
+              <a:t> </a:t>
+            </a:r>
+            <a:r>
+              <a:rPr lang="en-US" sz="1400" i="1" dirty="0" err="1" smtClean="0"/>
+              <a:t>suatu</a:t>
+            </a:r>
+            <a:r>
+              <a:rPr lang="en-US" sz="1400" i="1" dirty="0" smtClean="0"/>
+              <a:t> policy (</a:t>
+            </a:r>
+            <a:r>
+              <a:rPr lang="en-US" sz="1400" i="1" dirty="0" err="1" smtClean="0"/>
+              <a:t>kebijakan</a:t>
+            </a:r>
+            <a:r>
+              <a:rPr lang="en-US" sz="1400" i="1" dirty="0" smtClean="0"/>
+              <a:t>) yang optimal </a:t>
+            </a:r>
+            <a:r>
+              <a:rPr lang="en-US" sz="1400" i="1" dirty="0" err="1" smtClean="0"/>
+              <a:t>ketika</a:t>
+            </a:r>
+            <a:r>
+              <a:rPr lang="en-US" sz="1400" i="1" dirty="0" smtClean="0"/>
+              <a:t> agent </a:t>
+            </a:r>
+            <a:r>
+              <a:rPr lang="en-US" sz="1400" i="1" dirty="0" err="1" smtClean="0"/>
+              <a:t>sudah</a:t>
+            </a:r>
+            <a:r>
+              <a:rPr lang="en-US" sz="1400" i="1" dirty="0" smtClean="0"/>
+              <a:t> </a:t>
+            </a:r>
+            <a:r>
+              <a:rPr lang="en-US" sz="1400" i="1" dirty="0" err="1" smtClean="0"/>
+              <a:t>mengetahui</a:t>
+            </a:r>
+            <a:r>
+              <a:rPr lang="en-US" sz="1400" i="1" dirty="0" smtClean="0"/>
+              <a:t> </a:t>
+            </a:r>
+            <a:r>
+              <a:rPr lang="en-US" sz="1400" i="1" dirty="0" err="1" smtClean="0"/>
+              <a:t>bentuk</a:t>
+            </a:r>
+            <a:r>
+              <a:rPr lang="en-US" sz="1400" i="1" dirty="0" smtClean="0"/>
+              <a:t> </a:t>
+            </a:r>
+            <a:r>
+              <a:rPr lang="en-US" sz="1400" i="1" dirty="0" err="1" smtClean="0"/>
+              <a:t>lingkungannya</a:t>
+            </a:r>
+            <a:endParaRPr lang="en-US" sz="1600" dirty="0"/>
+          </a:p>
+        </p:txBody>
+      </p:sp>
+      <p:sp>
+        <p:nvSpPr>
+          <p:cNvPr id="9" name="Right Arrow 8"/>
+          <p:cNvSpPr/>
+          <p:nvPr/>
+        </p:nvSpPr>
+        <p:spPr>
+          <a:xfrm rot="9441306">
+            <a:off x="4664257" y="4428233"/>
+            <a:ext cx="1645920" cy="512762"/>
+          </a:xfrm>
+          <a:prstGeom prst="rightArrow">
+            <a:avLst/>
+          </a:prstGeom>
+        </p:spPr>
+        <p:style>
+          <a:lnRef idx="2">
+            <a:schemeClr val="dk1">
+              <a:shade val="50000"/>
+            </a:schemeClr>
+          </a:lnRef>
+          <a:fillRef idx="1">
+            <a:schemeClr val="dk1"/>
+          </a:fillRef>
+          <a:effectRef idx="0">
+            <a:schemeClr val="dk1"/>
+          </a:effectRef>
+          <a:fontRef idx="minor">
+            <a:schemeClr val="lt1"/>
+          </a:fontRef>
+        </p:style>
+        <p:txBody>
+          <a:bodyPr rtlCol="0" anchor="ctr"/>
+          <a:lstStyle/>
+          <a:p>
+            <a:pPr algn="ctr"/>
+            <a:endParaRPr lang="en-US"/>
+          </a:p>
+        </p:txBody>
+      </p:sp>
+      <p:sp>
+        <p:nvSpPr>
+          <p:cNvPr id="10" name="Content Placeholder 3"/>
+          <p:cNvSpPr>
+            <a:spLocks noGrp="1"/>
+          </p:cNvSpPr>
+          <p:nvPr>
+            <p:ph sz="quarter" idx="11"/>
+          </p:nvPr>
+        </p:nvSpPr>
+        <p:spPr>
+          <a:xfrm>
+            <a:off x="521679" y="4374811"/>
+            <a:ext cx="4733925" cy="512762"/>
+          </a:xfrm>
+        </p:spPr>
+        <p:txBody>
+          <a:bodyPr/>
+          <a:lstStyle/>
+          <a:p>
+            <a:r>
+              <a:rPr lang="en-US" sz="1600" dirty="0" smtClean="0"/>
+              <a:t>Describe the </a:t>
+            </a:r>
+            <a:endParaRPr lang="en-US" sz="1600" dirty="0" smtClean="0"/>
+          </a:p>
+          <a:p>
+            <a:r>
+              <a:rPr lang="en-US" sz="2400" dirty="0" smtClean="0"/>
+              <a:t>Q-Learning</a:t>
+            </a:r>
+          </a:p>
+          <a:p>
+            <a:r>
+              <a:rPr lang="en-US" sz="1400" i="1" dirty="0" err="1" smtClean="0"/>
+              <a:t>M</a:t>
+            </a:r>
+            <a:r>
+              <a:rPr lang="en-US" sz="1400" i="1" dirty="0" err="1" smtClean="0"/>
+              <a:t>enentukan</a:t>
+            </a:r>
+            <a:r>
+              <a:rPr lang="en-US" sz="1400" i="1" dirty="0" smtClean="0"/>
+              <a:t> </a:t>
+            </a:r>
+            <a:r>
+              <a:rPr lang="en-US" sz="1400" i="1" dirty="0" err="1" smtClean="0"/>
+              <a:t>suatu</a:t>
+            </a:r>
+            <a:r>
+              <a:rPr lang="en-US" sz="1400" i="1" dirty="0" smtClean="0"/>
+              <a:t> policy (</a:t>
+            </a:r>
+            <a:r>
+              <a:rPr lang="en-US" sz="1400" i="1" dirty="0" err="1"/>
+              <a:t>k</a:t>
+            </a:r>
+            <a:r>
+              <a:rPr lang="en-US" sz="1400" i="1" dirty="0" err="1" smtClean="0"/>
+              <a:t>ebijakan</a:t>
+            </a:r>
+            <a:r>
+              <a:rPr lang="en-US" sz="1400" i="1" dirty="0" smtClean="0"/>
+              <a:t>) yang optimal </a:t>
+            </a:r>
+            <a:r>
+              <a:rPr lang="en-US" sz="1400" i="1" dirty="0" err="1" smtClean="0"/>
+              <a:t>ketika</a:t>
+            </a:r>
+            <a:r>
+              <a:rPr lang="en-US" sz="1400" i="1" dirty="0" smtClean="0"/>
+              <a:t> agent </a:t>
+            </a:r>
+            <a:r>
+              <a:rPr lang="en-US" sz="1400" i="1" dirty="0" err="1" smtClean="0"/>
+              <a:t>bertemu</a:t>
+            </a:r>
+            <a:r>
+              <a:rPr lang="en-US" sz="1400" i="1" dirty="0" smtClean="0"/>
+              <a:t> </a:t>
+            </a:r>
+            <a:r>
+              <a:rPr lang="en-US" sz="1400" i="1" dirty="0" err="1" smtClean="0"/>
+              <a:t>dengan</a:t>
+            </a:r>
+            <a:r>
+              <a:rPr lang="en-US" sz="1400" i="1" dirty="0" smtClean="0"/>
+              <a:t> </a:t>
+            </a:r>
+            <a:r>
+              <a:rPr lang="en-US" sz="1400" i="1" dirty="0" err="1" smtClean="0"/>
+              <a:t>bentuk</a:t>
+            </a:r>
+            <a:r>
+              <a:rPr lang="en-US" sz="1400" i="1" dirty="0" smtClean="0"/>
+              <a:t> </a:t>
+            </a:r>
+            <a:r>
+              <a:rPr lang="en-US" sz="1400" i="1" dirty="0" err="1" smtClean="0"/>
+              <a:t>lingkungan</a:t>
+            </a:r>
+            <a:r>
+              <a:rPr lang="en-US" sz="1400" i="1" dirty="0" smtClean="0"/>
+              <a:t> yang </a:t>
+            </a:r>
+            <a:r>
+              <a:rPr lang="en-US" sz="1400" i="1" dirty="0" err="1" smtClean="0"/>
+              <a:t>baru</a:t>
+            </a:r>
+            <a:r>
+              <a:rPr lang="en-US" sz="1400" i="1" dirty="0" smtClean="0"/>
+              <a:t> </a:t>
+            </a:r>
+            <a:r>
+              <a:rPr lang="en-US" sz="1400" i="1" dirty="0" err="1" smtClean="0"/>
+              <a:t>dengan</a:t>
+            </a:r>
+            <a:r>
+              <a:rPr lang="en-US" sz="1400" i="1" dirty="0" smtClean="0"/>
+              <a:t> </a:t>
+            </a:r>
+            <a:r>
+              <a:rPr lang="en-US" sz="1400" i="1" dirty="0" err="1" smtClean="0"/>
+              <a:t>cara</a:t>
+            </a:r>
+            <a:r>
+              <a:rPr lang="en-US" sz="1400" i="1" dirty="0" smtClean="0"/>
+              <a:t> </a:t>
+            </a:r>
+            <a:r>
+              <a:rPr lang="en-US" sz="1400" i="1" dirty="0" err="1" smtClean="0"/>
+              <a:t>melakukan</a:t>
+            </a:r>
+            <a:r>
+              <a:rPr lang="en-US" sz="1400" i="1" dirty="0" smtClean="0"/>
+              <a:t> trial </a:t>
+            </a:r>
+            <a:r>
+              <a:rPr lang="en-US" sz="1400" i="1" dirty="0" err="1" smtClean="0"/>
+              <a:t>dan</a:t>
+            </a:r>
+            <a:r>
+              <a:rPr lang="en-US" sz="1400" i="1" dirty="0" smtClean="0"/>
+              <a:t> error</a:t>
+            </a:r>
+            <a:endParaRPr lang="en-US" sz="1400" i="1" dirty="0"/>
           </a:p>
         </p:txBody>
       </p:sp>
@@ -6785,16 +7645,8 @@
           <a:lstStyle/>
           <a:p>
             <a:r>
-              <a:rPr lang="en-US" dirty="0" err="1" smtClean="0"/>
-              <a:t>Contoh</a:t>
-            </a:r>
-            <a:r>
               <a:rPr lang="en-US" dirty="0" smtClean="0"/>
-              <a:t> </a:t>
-            </a:r>
-            <a:r>
-              <a:rPr lang="en-US" dirty="0" err="1" smtClean="0"/>
-              <a:t>Kasus</a:t>
+              <a:t>Value Iteration </a:t>
             </a:r>
             <a:endParaRPr lang="en-US" dirty="0"/>
           </a:p>
@@ -6810,12 +7662,332 @@
             <p:ph idx="1"/>
           </p:nvPr>
         </p:nvSpPr>
-        <p:spPr/>
+        <p:spPr>
+          <a:xfrm>
+            <a:off x="560614" y="2233405"/>
+            <a:ext cx="10970751" cy="3460639"/>
+          </a:xfrm>
+        </p:spPr>
         <p:txBody>
-          <a:bodyPr/>
+          <a:bodyPr>
+            <a:noAutofit/>
+          </a:bodyPr>
           <a:lstStyle/>
           <a:p>
-            <a:endParaRPr lang="en-US"/>
+            <a:pPr marL="0" indent="0">
+              <a:buNone/>
+            </a:pPr>
+            <a:r>
+              <a:rPr lang="en-US" sz="2000" dirty="0" smtClean="0"/>
+              <a:t>Reinforcement Learning </a:t>
+            </a:r>
+            <a:r>
+              <a:rPr lang="en-US" sz="2000" dirty="0" err="1" smtClean="0"/>
+              <a:t>dengan</a:t>
+            </a:r>
+            <a:r>
+              <a:rPr lang="en-US" sz="2000" dirty="0" smtClean="0"/>
+              <a:t> </a:t>
+            </a:r>
+            <a:r>
+              <a:rPr lang="en-US" sz="2000" dirty="0" err="1" smtClean="0"/>
+              <a:t>metode</a:t>
+            </a:r>
+            <a:r>
+              <a:rPr lang="en-US" sz="2000" dirty="0" smtClean="0"/>
+              <a:t> value iteration, </a:t>
+            </a:r>
+          </a:p>
+          <a:p>
+            <a:pPr marL="0" indent="0">
+              <a:buNone/>
+            </a:pPr>
+            <a:endParaRPr lang="en-US" sz="2000" dirty="0" smtClean="0"/>
+          </a:p>
+          <a:p>
+            <a:r>
+              <a:rPr lang="en-US" sz="2000" dirty="0" err="1"/>
+              <a:t>M</a:t>
+            </a:r>
+            <a:r>
+              <a:rPr lang="en-US" sz="2000" dirty="0" err="1" smtClean="0"/>
+              <a:t>elakukan</a:t>
+            </a:r>
+            <a:r>
+              <a:rPr lang="en-US" sz="2000" dirty="0" smtClean="0"/>
+              <a:t> </a:t>
+            </a:r>
+            <a:r>
+              <a:rPr lang="en-US" sz="2000" b="1" dirty="0" err="1" smtClean="0">
+                <a:solidFill>
+                  <a:srgbClr val="FF0000"/>
+                </a:solidFill>
+              </a:rPr>
+              <a:t>evaluasi</a:t>
+            </a:r>
+            <a:r>
+              <a:rPr lang="en-US" sz="2000" dirty="0" smtClean="0"/>
+              <a:t> </a:t>
+            </a:r>
+            <a:r>
+              <a:rPr lang="en-US" sz="2000" dirty="0" err="1" smtClean="0"/>
+              <a:t>pada</a:t>
+            </a:r>
+            <a:r>
+              <a:rPr lang="en-US" sz="2000" dirty="0" smtClean="0"/>
+              <a:t> </a:t>
+            </a:r>
+            <a:r>
+              <a:rPr lang="en-US" sz="2000" b="1" dirty="0" err="1" smtClean="0">
+                <a:solidFill>
+                  <a:srgbClr val="FF0000"/>
+                </a:solidFill>
+              </a:rPr>
+              <a:t>setiap</a:t>
+            </a:r>
+            <a:r>
+              <a:rPr lang="en-US" sz="2000" b="1" dirty="0" smtClean="0">
+                <a:solidFill>
+                  <a:srgbClr val="FF0000"/>
+                </a:solidFill>
+              </a:rPr>
+              <a:t> </a:t>
+            </a:r>
+            <a:r>
+              <a:rPr lang="en-US" sz="2000" b="1" dirty="0" err="1" smtClean="0">
+                <a:solidFill>
+                  <a:srgbClr val="FF0000"/>
+                </a:solidFill>
+              </a:rPr>
+              <a:t>environmentnya</a:t>
+            </a:r>
+            <a:r>
+              <a:rPr lang="en-US" sz="2000" dirty="0" smtClean="0"/>
+              <a:t>, </a:t>
+            </a:r>
+          </a:p>
+          <a:p>
+            <a:endParaRPr lang="en-US" sz="2000" dirty="0" smtClean="0"/>
+          </a:p>
+          <a:p>
+            <a:r>
+              <a:rPr lang="en-US" sz="2000" dirty="0" err="1"/>
+              <a:t>N</a:t>
+            </a:r>
+            <a:r>
+              <a:rPr lang="en-US" sz="2000" dirty="0" err="1" smtClean="0"/>
+              <a:t>ilai-nilai</a:t>
+            </a:r>
+            <a:r>
+              <a:rPr lang="en-US" sz="2000" dirty="0" smtClean="0"/>
+              <a:t> </a:t>
+            </a:r>
+            <a:r>
+              <a:rPr lang="en-US" sz="2000" dirty="0" err="1" smtClean="0"/>
+              <a:t>atau</a:t>
+            </a:r>
+            <a:r>
+              <a:rPr lang="en-US" sz="2000" dirty="0" smtClean="0"/>
+              <a:t> value </a:t>
+            </a:r>
+            <a:r>
+              <a:rPr lang="en-US" sz="2000" dirty="0" err="1" smtClean="0"/>
+              <a:t>pada</a:t>
+            </a:r>
+            <a:r>
+              <a:rPr lang="en-US" sz="2000" dirty="0" smtClean="0"/>
+              <a:t> </a:t>
+            </a:r>
+            <a:r>
+              <a:rPr lang="en-US" sz="2000" dirty="0" err="1" smtClean="0"/>
+              <a:t>setiap</a:t>
+            </a:r>
+            <a:r>
+              <a:rPr lang="en-US" sz="2000" dirty="0" smtClean="0"/>
+              <a:t> environment </a:t>
+            </a:r>
+            <a:r>
+              <a:rPr lang="en-US" sz="2000" b="1" dirty="0" err="1" smtClean="0">
+                <a:solidFill>
+                  <a:srgbClr val="FF0000"/>
+                </a:solidFill>
+              </a:rPr>
+              <a:t>diincrement</a:t>
+            </a:r>
+            <a:r>
+              <a:rPr lang="en-US" sz="2000" b="1" dirty="0" smtClean="0">
+                <a:solidFill>
+                  <a:srgbClr val="FF0000"/>
+                </a:solidFill>
+              </a:rPr>
+              <a:t> </a:t>
+            </a:r>
+            <a:r>
+              <a:rPr lang="en-US" sz="2000" b="1" dirty="0" err="1" smtClean="0">
+                <a:solidFill>
+                  <a:srgbClr val="FF0000"/>
+                </a:solidFill>
+              </a:rPr>
+              <a:t>berdasarakan</a:t>
+            </a:r>
+            <a:r>
+              <a:rPr lang="en-US" sz="2000" b="1" dirty="0" smtClean="0">
+                <a:solidFill>
+                  <a:srgbClr val="FF0000"/>
+                </a:solidFill>
+              </a:rPr>
+              <a:t> neighbor state </a:t>
+            </a:r>
+            <a:r>
+              <a:rPr lang="en-US" sz="2000" b="1" dirty="0" err="1" smtClean="0">
+                <a:solidFill>
+                  <a:srgbClr val="FF0000"/>
+                </a:solidFill>
+              </a:rPr>
+              <a:t>environmentnya</a:t>
+            </a:r>
+            <a:r>
+              <a:rPr lang="en-US" sz="2000" dirty="0" smtClean="0"/>
+              <a:t>. </a:t>
+            </a:r>
+          </a:p>
+          <a:p>
+            <a:endParaRPr lang="en-US" sz="2000" dirty="0" smtClean="0"/>
+          </a:p>
+          <a:p>
+            <a:r>
+              <a:rPr lang="en-US" sz="2000" dirty="0" smtClean="0"/>
+              <a:t>Hal </a:t>
+            </a:r>
+            <a:r>
+              <a:rPr lang="en-US" sz="2000" dirty="0" err="1" smtClean="0"/>
+              <a:t>ini</a:t>
+            </a:r>
+            <a:r>
+              <a:rPr lang="en-US" sz="2000" dirty="0" smtClean="0"/>
+              <a:t> </a:t>
+            </a:r>
+            <a:r>
+              <a:rPr lang="en-US" sz="2000" b="1" dirty="0" err="1" smtClean="0">
+                <a:solidFill>
+                  <a:srgbClr val="FF0000"/>
+                </a:solidFill>
+              </a:rPr>
+              <a:t>dilakukan</a:t>
+            </a:r>
+            <a:r>
+              <a:rPr lang="en-US" sz="2000" b="1" dirty="0" smtClean="0">
+                <a:solidFill>
+                  <a:srgbClr val="FF0000"/>
+                </a:solidFill>
+              </a:rPr>
+              <a:t> </a:t>
+            </a:r>
+            <a:r>
+              <a:rPr lang="en-US" sz="2000" b="1" dirty="0" err="1" smtClean="0">
+                <a:solidFill>
+                  <a:srgbClr val="FF0000"/>
+                </a:solidFill>
+              </a:rPr>
+              <a:t>secara</a:t>
+            </a:r>
+            <a:r>
+              <a:rPr lang="en-US" sz="2000" b="1" dirty="0" smtClean="0">
+                <a:solidFill>
+                  <a:srgbClr val="FF0000"/>
+                </a:solidFill>
+              </a:rPr>
+              <a:t> </a:t>
+            </a:r>
+            <a:r>
+              <a:rPr lang="en-US" sz="2000" b="1" dirty="0" err="1" smtClean="0">
+                <a:solidFill>
+                  <a:srgbClr val="FF0000"/>
+                </a:solidFill>
+              </a:rPr>
+              <a:t>terus</a:t>
+            </a:r>
+            <a:r>
+              <a:rPr lang="en-US" sz="2000" b="1" dirty="0" smtClean="0">
+                <a:solidFill>
+                  <a:srgbClr val="FF0000"/>
+                </a:solidFill>
+              </a:rPr>
+              <a:t> </a:t>
+            </a:r>
+            <a:r>
+              <a:rPr lang="en-US" sz="2000" b="1" dirty="0" err="1" smtClean="0">
+                <a:solidFill>
+                  <a:srgbClr val="FF0000"/>
+                </a:solidFill>
+              </a:rPr>
+              <a:t>menerus</a:t>
+            </a:r>
+            <a:r>
+              <a:rPr lang="en-US" sz="2000" dirty="0" smtClean="0"/>
+              <a:t> </a:t>
+            </a:r>
+            <a:r>
+              <a:rPr lang="en-US" sz="2000" dirty="0" err="1" smtClean="0"/>
+              <a:t>hingga</a:t>
+            </a:r>
+            <a:r>
+              <a:rPr lang="en-US" sz="2000" dirty="0" smtClean="0"/>
+              <a:t> </a:t>
+            </a:r>
+            <a:r>
+              <a:rPr lang="en-US" sz="2000" dirty="0" err="1" smtClean="0"/>
+              <a:t>semua</a:t>
+            </a:r>
+            <a:r>
+              <a:rPr lang="en-US" sz="2000" dirty="0" smtClean="0"/>
+              <a:t> environment di </a:t>
+            </a:r>
+            <a:r>
+              <a:rPr lang="en-US" sz="2000" dirty="0" err="1" smtClean="0"/>
+              <a:t>evaluasi</a:t>
+            </a:r>
+            <a:r>
+              <a:rPr lang="en-US" sz="2000" dirty="0" smtClean="0"/>
+              <a:t> </a:t>
+            </a:r>
+            <a:r>
+              <a:rPr lang="en-US" sz="2000" dirty="0" err="1" smtClean="0"/>
+              <a:t>dan</a:t>
+            </a:r>
+            <a:r>
+              <a:rPr lang="en-US" sz="2000" dirty="0" smtClean="0"/>
+              <a:t> </a:t>
+            </a:r>
+            <a:r>
+              <a:rPr lang="en-US" sz="2000" dirty="0" err="1" smtClean="0"/>
+              <a:t>semua</a:t>
+            </a:r>
+            <a:r>
+              <a:rPr lang="en-US" sz="2000" dirty="0" smtClean="0"/>
+              <a:t> </a:t>
+            </a:r>
+            <a:r>
+              <a:rPr lang="en-US" sz="2000" dirty="0" err="1" smtClean="0"/>
+              <a:t>nilai</a:t>
+            </a:r>
+            <a:r>
+              <a:rPr lang="en-US" sz="2000" dirty="0" smtClean="0"/>
+              <a:t> </a:t>
+            </a:r>
+            <a:r>
+              <a:rPr lang="en-US" sz="2000" dirty="0" err="1" smtClean="0"/>
+              <a:t>pada</a:t>
+            </a:r>
+            <a:r>
+              <a:rPr lang="en-US" sz="2000" dirty="0" smtClean="0"/>
+              <a:t> environment </a:t>
+            </a:r>
+            <a:r>
+              <a:rPr lang="en-US" sz="2000" dirty="0" err="1" smtClean="0"/>
+              <a:t>diincrement</a:t>
+            </a:r>
+            <a:endParaRPr lang="en-US" sz="2000" dirty="0" smtClean="0"/>
           </a:p>
         </p:txBody>
       </p:sp>
@@ -6834,14 +8006,18 @@
           <a:bodyPr/>
           <a:lstStyle/>
           <a:p>
-            <a:endParaRPr lang="en-US"/>
+            <a:r>
+              <a:rPr lang="en-US" dirty="0" err="1" smtClean="0"/>
+              <a:t>Pengertian</a:t>
+            </a:r>
+            <a:endParaRPr lang="en-US" dirty="0"/>
           </a:p>
         </p:txBody>
       </p:sp>
     </p:spTree>
     <p:extLst>
       <p:ext uri="{BB962C8B-B14F-4D97-AF65-F5344CB8AC3E}">
-        <p14:creationId xmlns:p14="http://schemas.microsoft.com/office/powerpoint/2010/main" val="924259683"/>
+        <p14:creationId xmlns:p14="http://schemas.microsoft.com/office/powerpoint/2010/main" val="3194840749"/>
       </p:ext>
     </p:extLst>
   </p:cSld>
@@ -6877,52 +8053,976 @@
       </p:grpSpPr>
       <p:sp>
         <p:nvSpPr>
-          <p:cNvPr id="3" name="TextBox 2"/>
-          <p:cNvSpPr txBox="1"/>
-          <p:nvPr/>
+          <p:cNvPr id="2" name="Title 1"/>
+          <p:cNvSpPr>
+            <a:spLocks noGrp="1"/>
+          </p:cNvSpPr>
+          <p:nvPr>
+            <p:ph type="title"/>
+          </p:nvPr>
+        </p:nvSpPr>
+        <p:spPr/>
+        <p:txBody>
+          <a:bodyPr/>
+          <a:lstStyle/>
+          <a:p>
+            <a:r>
+              <a:rPr lang="en-US" dirty="0" smtClean="0"/>
+              <a:t>Value Iteration </a:t>
+            </a:r>
+            <a:endParaRPr lang="en-US" dirty="0"/>
+          </a:p>
+        </p:txBody>
+      </p:sp>
+      <p:sp>
+        <p:nvSpPr>
+          <p:cNvPr id="3" name="Content Placeholder 2"/>
+          <p:cNvSpPr>
+            <a:spLocks noGrp="1"/>
+          </p:cNvSpPr>
+          <p:nvPr>
+            <p:ph idx="1"/>
+          </p:nvPr>
         </p:nvSpPr>
         <p:spPr>
           <a:xfrm>
-            <a:off x="1249251" y="1159099"/>
-            <a:ext cx="3979572" cy="978794"/>
+            <a:off x="568718" y="2360613"/>
+            <a:ext cx="11086661" cy="3705336"/>
           </a:xfrm>
-          <a:prstGeom prst="rect">
-            <a:avLst/>
-          </a:prstGeom>
         </p:spPr>
         <p:txBody>
-          <a:bodyPr vert="horz" wrap="square" lIns="91440" tIns="45720" rIns="91440" bIns="45720" rtlCol="0">
+          <a:bodyPr>
             <a:normAutofit/>
           </a:bodyPr>
           <a:lstStyle/>
           <a:p>
+            <a:r>
+              <a:rPr lang="en-US" sz="2400" dirty="0" err="1" smtClean="0"/>
+              <a:t>Tujuan</a:t>
+            </a:r>
+            <a:r>
+              <a:rPr lang="en-US" sz="2400" dirty="0" smtClean="0"/>
+              <a:t> </a:t>
+            </a:r>
+            <a:r>
+              <a:rPr lang="en-US" sz="2400" dirty="0" err="1" smtClean="0"/>
+              <a:t>dari</a:t>
+            </a:r>
+            <a:r>
+              <a:rPr lang="en-US" sz="2400" dirty="0" smtClean="0"/>
+              <a:t> Value Iteration </a:t>
+            </a:r>
+            <a:r>
+              <a:rPr lang="en-US" sz="2400" dirty="0" err="1" smtClean="0"/>
+              <a:t>adalah</a:t>
+            </a:r>
+            <a:r>
+              <a:rPr lang="en-US" sz="2400" dirty="0" smtClean="0"/>
+              <a:t> </a:t>
+            </a:r>
+            <a:r>
+              <a:rPr lang="en-US" sz="2400" b="1" dirty="0" err="1" smtClean="0">
+                <a:solidFill>
+                  <a:srgbClr val="FF0000"/>
+                </a:solidFill>
+              </a:rPr>
+              <a:t>mencari</a:t>
+            </a:r>
+            <a:r>
+              <a:rPr lang="en-US" sz="2400" b="1" dirty="0" smtClean="0">
+                <a:solidFill>
+                  <a:srgbClr val="FF0000"/>
+                </a:solidFill>
+              </a:rPr>
+              <a:t> value optimal</a:t>
+            </a:r>
+            <a:r>
+              <a:rPr lang="en-US" sz="2400" dirty="0" smtClean="0"/>
+              <a:t>, </a:t>
+            </a:r>
+          </a:p>
+          <a:p>
             <a:pPr marL="0" indent="0">
-              <a:buFontTx/>
               <a:buNone/>
             </a:pPr>
-            <a:r>
-              <a:rPr lang="en-US" sz="5400" b="0" dirty="0" smtClean="0">
+            <a:endParaRPr lang="en-US" sz="2400" dirty="0" smtClean="0"/>
+          </a:p>
+          <a:p>
+            <a:r>
+              <a:rPr lang="en-US" sz="2400" b="1" dirty="0" err="1">
                 <a:solidFill>
-                  <a:schemeClr val="bg1"/>
+                  <a:srgbClr val="FF0000"/>
                 </a:solidFill>
-                <a:latin typeface="Segoe UI Semibold"/>
-                <a:cs typeface="Segoe UI Semibold"/>
               </a:rPr>
-              <a:t>THANKS…</a:t>
-            </a:r>
+              <a:t>T</a:t>
+            </a:r>
+            <a:r>
+              <a:rPr lang="en-US" sz="2400" b="1" dirty="0" err="1" smtClean="0">
+                <a:solidFill>
+                  <a:srgbClr val="FF0000"/>
+                </a:solidFill>
+              </a:rPr>
+              <a:t>idak</a:t>
+            </a:r>
+            <a:r>
+              <a:rPr lang="en-US" sz="2400" b="1" dirty="0" smtClean="0">
+                <a:solidFill>
+                  <a:srgbClr val="FF0000"/>
+                </a:solidFill>
+              </a:rPr>
+              <a:t> </a:t>
+            </a:r>
+            <a:r>
+              <a:rPr lang="en-US" sz="2400" b="1" dirty="0" err="1" smtClean="0">
+                <a:solidFill>
+                  <a:srgbClr val="FF0000"/>
+                </a:solidFill>
+              </a:rPr>
+              <a:t>ada</a:t>
+            </a:r>
+            <a:r>
+              <a:rPr lang="en-US" sz="2400" b="1" dirty="0" smtClean="0">
+                <a:solidFill>
+                  <a:srgbClr val="FF0000"/>
+                </a:solidFill>
+              </a:rPr>
+              <a:t> </a:t>
+            </a:r>
+            <a:r>
+              <a:rPr lang="en-US" sz="2400" b="1" dirty="0" err="1" smtClean="0">
+                <a:solidFill>
+                  <a:srgbClr val="FF0000"/>
+                </a:solidFill>
+              </a:rPr>
+              <a:t>pengulangan</a:t>
+            </a:r>
+            <a:r>
+              <a:rPr lang="en-US" sz="2400" b="1" dirty="0" smtClean="0">
+                <a:solidFill>
+                  <a:srgbClr val="FF0000"/>
+                </a:solidFill>
+              </a:rPr>
+              <a:t> </a:t>
+            </a:r>
+            <a:r>
+              <a:rPr lang="en-US" sz="2400" b="1" dirty="0" err="1" smtClean="0">
+                <a:solidFill>
+                  <a:srgbClr val="FF0000"/>
+                </a:solidFill>
+              </a:rPr>
+              <a:t>iterasi</a:t>
+            </a:r>
+            <a:r>
+              <a:rPr lang="en-US" sz="2400" dirty="0" smtClean="0"/>
+              <a:t> </a:t>
+            </a:r>
+            <a:r>
+              <a:rPr lang="en-US" sz="2400" dirty="0" err="1" smtClean="0"/>
+              <a:t>pada</a:t>
+            </a:r>
+            <a:r>
+              <a:rPr lang="en-US" sz="2400" dirty="0" smtClean="0"/>
+              <a:t> environment yang </a:t>
+            </a:r>
+            <a:r>
+              <a:rPr lang="en-US" sz="2400" dirty="0" err="1" smtClean="0"/>
+              <a:t>sudah</a:t>
+            </a:r>
+            <a:r>
+              <a:rPr lang="en-US" sz="2400" dirty="0" smtClean="0"/>
+              <a:t> </a:t>
+            </a:r>
+            <a:r>
+              <a:rPr lang="en-US" sz="2400" dirty="0" err="1" smtClean="0"/>
+              <a:t>diiterasi</a:t>
+            </a:r>
+            <a:r>
+              <a:rPr lang="en-US" sz="2400" dirty="0" smtClean="0"/>
+              <a:t> </a:t>
+            </a:r>
+            <a:r>
+              <a:rPr lang="en-US" sz="2400" dirty="0" err="1" smtClean="0"/>
+              <a:t>karena</a:t>
+            </a:r>
+            <a:r>
+              <a:rPr lang="en-US" sz="2400" dirty="0" smtClean="0"/>
+              <a:t> </a:t>
+            </a:r>
+            <a:r>
+              <a:rPr lang="en-US" sz="2400" dirty="0" err="1" smtClean="0"/>
+              <a:t>nilai</a:t>
+            </a:r>
+            <a:r>
+              <a:rPr lang="en-US" sz="2400" dirty="0" smtClean="0"/>
+              <a:t> yang </a:t>
+            </a:r>
+            <a:r>
+              <a:rPr lang="en-US" sz="2400" dirty="0" err="1" smtClean="0"/>
+              <a:t>dihasilkan</a:t>
+            </a:r>
+            <a:r>
+              <a:rPr lang="en-US" sz="2400" dirty="0" smtClean="0"/>
+              <a:t> </a:t>
+            </a:r>
+            <a:r>
+              <a:rPr lang="en-US" sz="2400" dirty="0" err="1" smtClean="0"/>
+              <a:t>sudah</a:t>
+            </a:r>
+            <a:r>
+              <a:rPr lang="en-US" sz="2400" dirty="0" smtClean="0"/>
+              <a:t> optimal. </a:t>
+            </a:r>
+          </a:p>
+          <a:p>
+            <a:pPr marL="0" indent="0">
+              <a:buNone/>
+            </a:pPr>
+            <a:endParaRPr lang="en-US" sz="2400" dirty="0"/>
+          </a:p>
+          <a:p>
+            <a:r>
+              <a:rPr lang="en-US" sz="2400" dirty="0" err="1" smtClean="0"/>
+              <a:t>Pada</a:t>
+            </a:r>
+            <a:r>
+              <a:rPr lang="en-US" sz="2400" dirty="0" smtClean="0"/>
+              <a:t> value iteration, </a:t>
+            </a:r>
+            <a:r>
+              <a:rPr lang="en-US" sz="2400" b="1" dirty="0" err="1" smtClean="0">
+                <a:solidFill>
+                  <a:srgbClr val="FF0000"/>
+                </a:solidFill>
+              </a:rPr>
+              <a:t>iterasi</a:t>
+            </a:r>
+            <a:r>
+              <a:rPr lang="en-US" sz="2400" b="1" dirty="0" smtClean="0">
+                <a:solidFill>
+                  <a:srgbClr val="FF0000"/>
+                </a:solidFill>
+              </a:rPr>
+              <a:t> </a:t>
+            </a:r>
+            <a:r>
+              <a:rPr lang="en-US" sz="2400" b="1" dirty="0" err="1" smtClean="0">
+                <a:solidFill>
+                  <a:srgbClr val="FF0000"/>
+                </a:solidFill>
+              </a:rPr>
+              <a:t>dilakukan</a:t>
+            </a:r>
+            <a:r>
+              <a:rPr lang="en-US" sz="2400" b="1" dirty="0" smtClean="0">
+                <a:solidFill>
+                  <a:srgbClr val="FF0000"/>
+                </a:solidFill>
+              </a:rPr>
+              <a:t> </a:t>
+            </a:r>
+            <a:r>
+              <a:rPr lang="en-US" sz="2400" b="1" dirty="0" err="1" smtClean="0">
+                <a:solidFill>
+                  <a:srgbClr val="FF0000"/>
+                </a:solidFill>
+              </a:rPr>
+              <a:t>lebih</a:t>
+            </a:r>
+            <a:r>
+              <a:rPr lang="en-US" sz="2400" b="1" dirty="0" smtClean="0">
+                <a:solidFill>
+                  <a:srgbClr val="FF0000"/>
+                </a:solidFill>
+              </a:rPr>
+              <a:t> </a:t>
+            </a:r>
+            <a:r>
+              <a:rPr lang="en-US" sz="2400" b="1" dirty="0" err="1" smtClean="0">
+                <a:solidFill>
+                  <a:srgbClr val="FF0000"/>
+                </a:solidFill>
+              </a:rPr>
+              <a:t>sedikit</a:t>
+            </a:r>
+            <a:r>
+              <a:rPr lang="en-US" sz="2400" dirty="0" smtClean="0"/>
+              <a:t>, </a:t>
+            </a:r>
+            <a:r>
+              <a:rPr lang="en-US" sz="2400" dirty="0" err="1" smtClean="0"/>
+              <a:t>namun</a:t>
+            </a:r>
+            <a:r>
+              <a:rPr lang="en-US" sz="2400" dirty="0" smtClean="0"/>
+              <a:t> </a:t>
+            </a:r>
+            <a:r>
+              <a:rPr lang="en-US" sz="2400" dirty="0" err="1" smtClean="0"/>
+              <a:t>setiap</a:t>
+            </a:r>
+            <a:r>
+              <a:rPr lang="en-US" sz="2400" dirty="0" smtClean="0"/>
+              <a:t> </a:t>
+            </a:r>
+            <a:r>
+              <a:rPr lang="en-US" sz="2400" dirty="0" err="1" smtClean="0"/>
+              <a:t>iterasinya</a:t>
+            </a:r>
+            <a:r>
+              <a:rPr lang="en-US" sz="2400" dirty="0" smtClean="0"/>
+              <a:t> </a:t>
+            </a:r>
+          </a:p>
+        </p:txBody>
+      </p:sp>
+      <p:sp>
+        <p:nvSpPr>
+          <p:cNvPr id="4" name="Content Placeholder 3"/>
+          <p:cNvSpPr>
+            <a:spLocks noGrp="1"/>
+          </p:cNvSpPr>
+          <p:nvPr>
+            <p:ph sz="quarter" idx="11"/>
+          </p:nvPr>
+        </p:nvSpPr>
+        <p:spPr/>
+        <p:txBody>
+          <a:bodyPr/>
+          <a:lstStyle/>
+          <a:p>
+            <a:r>
+              <a:rPr lang="en-US" dirty="0" err="1" smtClean="0"/>
+              <a:t>Tujuan</a:t>
+            </a:r>
+            <a:endParaRPr lang="en-US" dirty="0"/>
+          </a:p>
+        </p:txBody>
+      </p:sp>
+    </p:spTree>
+    <p:extLst>
+      <p:ext uri="{BB962C8B-B14F-4D97-AF65-F5344CB8AC3E}">
+        <p14:creationId xmlns:p14="http://schemas.microsoft.com/office/powerpoint/2010/main" val="1613730592"/>
+      </p:ext>
+    </p:extLst>
+  </p:cSld>
+  <p:clrMapOvr>
+    <a:masterClrMapping/>
+  </p:clrMapOvr>
+  <p:timing>
+    <p:tnLst>
+      <p:par>
+        <p:cTn id="1" dur="indefinite" restart="never" nodeType="tmRoot"/>
+      </p:par>
+    </p:tnLst>
+  </p:timing>
+</p:sld>
+</file>
+
+<file path=ppt/slides/slide17.xml><?xml version="1.0" encoding="utf-8"?>
+<p:sld xmlns:a="http://schemas.openxmlformats.org/drawingml/2006/main" xmlns:r="http://schemas.openxmlformats.org/officeDocument/2006/relationships" xmlns:p="http://schemas.openxmlformats.org/presentationml/2006/main">
+  <p:cSld>
+    <p:spTree>
+      <p:nvGrpSpPr>
+        <p:cNvPr id="1" name=""/>
+        <p:cNvGrpSpPr/>
+        <p:nvPr/>
+      </p:nvGrpSpPr>
+      <p:grpSpPr>
+        <a:xfrm>
+          <a:off x="0" y="0"/>
+          <a:ext cx="0" cy="0"/>
+          <a:chOff x="0" y="0"/>
+          <a:chExt cx="0" cy="0"/>
+        </a:xfrm>
+      </p:grpSpPr>
+      <p:sp>
+        <p:nvSpPr>
+          <p:cNvPr id="2" name="Title 1"/>
+          <p:cNvSpPr>
+            <a:spLocks noGrp="1"/>
+          </p:cNvSpPr>
+          <p:nvPr>
+            <p:ph type="title"/>
+          </p:nvPr>
+        </p:nvSpPr>
+        <p:spPr/>
+        <p:txBody>
+          <a:bodyPr/>
+          <a:lstStyle/>
+          <a:p>
+            <a:r>
+              <a:rPr lang="en-US" dirty="0" smtClean="0"/>
+              <a:t>Policy Iteration</a:t>
+            </a:r>
+            <a:endParaRPr lang="en-US" dirty="0"/>
+          </a:p>
+        </p:txBody>
+      </p:sp>
+      <p:sp>
+        <p:nvSpPr>
+          <p:cNvPr id="3" name="Content Placeholder 2"/>
+          <p:cNvSpPr>
+            <a:spLocks noGrp="1"/>
+          </p:cNvSpPr>
+          <p:nvPr>
+            <p:ph idx="1"/>
+          </p:nvPr>
+        </p:nvSpPr>
+        <p:spPr>
+          <a:xfrm>
+            <a:off x="568719" y="2360612"/>
+            <a:ext cx="10515600" cy="3447759"/>
+          </a:xfrm>
+        </p:spPr>
+        <p:txBody>
+          <a:bodyPr>
+            <a:normAutofit lnSpcReduction="10000"/>
+          </a:bodyPr>
+          <a:lstStyle/>
+          <a:p>
+            <a:pPr marL="0" indent="0">
+              <a:buNone/>
+            </a:pPr>
+            <a:r>
+              <a:rPr lang="en-US" sz="2800" dirty="0" smtClean="0"/>
+              <a:t>Reinforcement Learning </a:t>
+            </a:r>
+            <a:r>
+              <a:rPr lang="en-US" sz="2800" dirty="0" err="1" smtClean="0"/>
+              <a:t>dengan</a:t>
+            </a:r>
+            <a:r>
+              <a:rPr lang="en-US" sz="2800" dirty="0" smtClean="0"/>
+              <a:t> </a:t>
+            </a:r>
+            <a:r>
+              <a:rPr lang="en-US" sz="2800" dirty="0" err="1" smtClean="0"/>
+              <a:t>menggunakan</a:t>
+            </a:r>
+            <a:r>
+              <a:rPr lang="en-US" sz="2800" dirty="0" smtClean="0"/>
+              <a:t> </a:t>
+            </a:r>
+            <a:r>
+              <a:rPr lang="en-US" sz="2800" dirty="0" err="1" smtClean="0"/>
+              <a:t>metode</a:t>
+            </a:r>
+            <a:r>
+              <a:rPr lang="en-US" sz="2800" dirty="0" smtClean="0"/>
+              <a:t> policy Iteration, </a:t>
+            </a:r>
+          </a:p>
+          <a:p>
+            <a:pPr marL="0" indent="0">
+              <a:buNone/>
+            </a:pPr>
+            <a:endParaRPr lang="en-US" sz="2800" dirty="0" smtClean="0"/>
+          </a:p>
+          <a:p>
+            <a:r>
+              <a:rPr lang="en-US" sz="2800" dirty="0" smtClean="0"/>
+              <a:t>program </a:t>
+            </a:r>
+            <a:r>
+              <a:rPr lang="en-US" sz="2800" b="1" dirty="0" err="1" smtClean="0">
+                <a:solidFill>
+                  <a:srgbClr val="FF0000"/>
+                </a:solidFill>
+              </a:rPr>
+              <a:t>mengevaluasi</a:t>
+            </a:r>
+            <a:r>
+              <a:rPr lang="en-US" sz="2800" b="1" dirty="0" smtClean="0">
+                <a:solidFill>
+                  <a:srgbClr val="FF0000"/>
+                </a:solidFill>
+              </a:rPr>
+              <a:t> </a:t>
+            </a:r>
+            <a:r>
+              <a:rPr lang="en-US" sz="2800" b="1" dirty="0" err="1" smtClean="0">
+                <a:solidFill>
+                  <a:srgbClr val="FF0000"/>
+                </a:solidFill>
+              </a:rPr>
+              <a:t>aksi</a:t>
+            </a:r>
+            <a:r>
+              <a:rPr lang="en-US" sz="2800" dirty="0" smtClean="0"/>
+              <a:t> </a:t>
+            </a:r>
+            <a:r>
+              <a:rPr lang="en-US" sz="2800" dirty="0" err="1" smtClean="0"/>
+              <a:t>pada</a:t>
+            </a:r>
+            <a:r>
+              <a:rPr lang="en-US" sz="2800" dirty="0" smtClean="0"/>
+              <a:t> </a:t>
+            </a:r>
+            <a:r>
+              <a:rPr lang="en-US" sz="2800" b="1" dirty="0" err="1" smtClean="0">
+                <a:solidFill>
+                  <a:srgbClr val="FF0000"/>
+                </a:solidFill>
+              </a:rPr>
+              <a:t>setiap</a:t>
+            </a:r>
+            <a:r>
+              <a:rPr lang="en-US" sz="2800" b="1" dirty="0" smtClean="0">
+                <a:solidFill>
+                  <a:srgbClr val="FF0000"/>
+                </a:solidFill>
+              </a:rPr>
+              <a:t> proses</a:t>
+            </a:r>
+            <a:r>
+              <a:rPr lang="en-US" sz="2800" dirty="0" smtClean="0"/>
+              <a:t>, </a:t>
+            </a:r>
+          </a:p>
+          <a:p>
+            <a:r>
+              <a:rPr lang="en-US" sz="2800" dirty="0" err="1" smtClean="0"/>
+              <a:t>dengan</a:t>
+            </a:r>
+            <a:r>
+              <a:rPr lang="en-US" sz="2800" dirty="0" smtClean="0"/>
+              <a:t> </a:t>
+            </a:r>
+            <a:r>
+              <a:rPr lang="en-US" sz="2800" dirty="0" err="1" smtClean="0"/>
+              <a:t>begitu</a:t>
+            </a:r>
+            <a:r>
+              <a:rPr lang="en-US" sz="2800" dirty="0" smtClean="0"/>
+              <a:t> program </a:t>
+            </a:r>
+            <a:r>
+              <a:rPr lang="en-US" sz="2800" dirty="0" err="1" smtClean="0"/>
+              <a:t>bisa</a:t>
+            </a:r>
+            <a:r>
+              <a:rPr lang="en-US" sz="2800" dirty="0" smtClean="0"/>
+              <a:t> </a:t>
+            </a:r>
+            <a:r>
+              <a:rPr lang="en-US" sz="2800" b="1" dirty="0" err="1" smtClean="0">
+                <a:solidFill>
+                  <a:srgbClr val="FF0000"/>
+                </a:solidFill>
+              </a:rPr>
+              <a:t>meningkatkan</a:t>
+            </a:r>
+            <a:r>
+              <a:rPr lang="en-US" sz="2800" b="1" dirty="0" smtClean="0">
+                <a:solidFill>
+                  <a:srgbClr val="FF0000"/>
+                </a:solidFill>
+              </a:rPr>
+              <a:t> </a:t>
+            </a:r>
+            <a:r>
+              <a:rPr lang="en-US" sz="2800" b="1" dirty="0" err="1" smtClean="0">
+                <a:solidFill>
+                  <a:srgbClr val="FF0000"/>
+                </a:solidFill>
+              </a:rPr>
+              <a:t>aturan</a:t>
+            </a:r>
+            <a:r>
+              <a:rPr lang="en-US" sz="2800" b="1" dirty="0" smtClean="0">
+                <a:solidFill>
+                  <a:srgbClr val="FF0000"/>
+                </a:solidFill>
+              </a:rPr>
+              <a:t> </a:t>
+            </a:r>
+            <a:r>
+              <a:rPr lang="en-US" sz="2800" dirty="0" smtClean="0"/>
+              <a:t>yang </a:t>
+            </a:r>
+            <a:r>
+              <a:rPr lang="en-US" sz="2800" dirty="0" err="1" smtClean="0"/>
+              <a:t>ditetapkan</a:t>
+            </a:r>
+            <a:r>
+              <a:rPr lang="en-US" sz="2800" dirty="0" smtClean="0"/>
+              <a:t> </a:t>
+            </a:r>
+            <a:r>
+              <a:rPr lang="en-US" sz="2800" dirty="0" err="1" smtClean="0"/>
+              <a:t>pada</a:t>
+            </a:r>
+            <a:r>
+              <a:rPr lang="en-US" sz="2800" dirty="0" smtClean="0"/>
+              <a:t> program.</a:t>
+            </a:r>
+            <a:endParaRPr lang="en-US" sz="2800" dirty="0"/>
+          </a:p>
+        </p:txBody>
+      </p:sp>
+      <p:sp>
+        <p:nvSpPr>
+          <p:cNvPr id="4" name="Content Placeholder 3"/>
+          <p:cNvSpPr>
+            <a:spLocks noGrp="1"/>
+          </p:cNvSpPr>
+          <p:nvPr>
+            <p:ph sz="quarter" idx="11"/>
+          </p:nvPr>
+        </p:nvSpPr>
+        <p:spPr/>
+        <p:txBody>
+          <a:bodyPr/>
+          <a:lstStyle/>
+          <a:p>
+            <a:r>
+              <a:rPr lang="en-US" dirty="0" err="1" smtClean="0"/>
+              <a:t>Pengertian</a:t>
+            </a:r>
+            <a:endParaRPr lang="en-US" dirty="0"/>
+          </a:p>
+        </p:txBody>
+      </p:sp>
+    </p:spTree>
+    <p:extLst>
+      <p:ext uri="{BB962C8B-B14F-4D97-AF65-F5344CB8AC3E}">
+        <p14:creationId xmlns:p14="http://schemas.microsoft.com/office/powerpoint/2010/main" val="2968770680"/>
+      </p:ext>
+    </p:extLst>
+  </p:cSld>
+  <p:clrMapOvr>
+    <a:masterClrMapping/>
+  </p:clrMapOvr>
+  <p:timing>
+    <p:tnLst>
+      <p:par>
+        <p:cTn id="1" dur="indefinite" restart="never" nodeType="tmRoot"/>
+      </p:par>
+    </p:tnLst>
+  </p:timing>
+</p:sld>
+</file>
+
+<file path=ppt/slides/slide18.xml><?xml version="1.0" encoding="utf-8"?>
+<p:sld xmlns:a="http://schemas.openxmlformats.org/drawingml/2006/main" xmlns:r="http://schemas.openxmlformats.org/officeDocument/2006/relationships" xmlns:p="http://schemas.openxmlformats.org/presentationml/2006/main">
+  <p:cSld>
+    <p:spTree>
+      <p:nvGrpSpPr>
+        <p:cNvPr id="1" name=""/>
+        <p:cNvGrpSpPr/>
+        <p:nvPr/>
+      </p:nvGrpSpPr>
+      <p:grpSpPr>
+        <a:xfrm>
+          <a:off x="0" y="0"/>
+          <a:ext cx="0" cy="0"/>
+          <a:chOff x="0" y="0"/>
+          <a:chExt cx="0" cy="0"/>
+        </a:xfrm>
+      </p:grpSpPr>
+      <p:sp>
+        <p:nvSpPr>
+          <p:cNvPr id="2" name="Title 1"/>
+          <p:cNvSpPr>
+            <a:spLocks noGrp="1"/>
+          </p:cNvSpPr>
+          <p:nvPr>
+            <p:ph type="title"/>
+          </p:nvPr>
+        </p:nvSpPr>
+        <p:spPr/>
+        <p:txBody>
+          <a:bodyPr/>
+          <a:lstStyle/>
+          <a:p>
+            <a:r>
+              <a:rPr lang="en-US" dirty="0"/>
+              <a:t>Policy Iteration</a:t>
+            </a:r>
+          </a:p>
+        </p:txBody>
+      </p:sp>
+      <p:sp>
+        <p:nvSpPr>
+          <p:cNvPr id="3" name="Content Placeholder 2"/>
+          <p:cNvSpPr>
+            <a:spLocks noGrp="1"/>
+          </p:cNvSpPr>
+          <p:nvPr>
+            <p:ph idx="1"/>
+          </p:nvPr>
+        </p:nvSpPr>
+        <p:spPr/>
+        <p:txBody>
+          <a:bodyPr>
+            <a:normAutofit/>
+          </a:bodyPr>
+          <a:lstStyle/>
+          <a:p>
+            <a:r>
+              <a:rPr lang="en-US" sz="2800" b="1" dirty="0" err="1" smtClean="0">
+                <a:solidFill>
+                  <a:srgbClr val="FF0000"/>
+                </a:solidFill>
+              </a:rPr>
+              <a:t>Meningkatkan</a:t>
+            </a:r>
+            <a:r>
+              <a:rPr lang="en-US" sz="2800" b="1" dirty="0" smtClean="0">
+                <a:solidFill>
+                  <a:srgbClr val="FF0000"/>
+                </a:solidFill>
+              </a:rPr>
+              <a:t> proses </a:t>
+            </a:r>
+            <a:r>
+              <a:rPr lang="en-US" sz="2800" b="1" dirty="0" err="1" smtClean="0">
+                <a:solidFill>
+                  <a:srgbClr val="FF0000"/>
+                </a:solidFill>
+              </a:rPr>
+              <a:t>pada</a:t>
+            </a:r>
+            <a:r>
+              <a:rPr lang="en-US" sz="2800" b="1" dirty="0" smtClean="0">
+                <a:solidFill>
+                  <a:srgbClr val="FF0000"/>
+                </a:solidFill>
+              </a:rPr>
+              <a:t> </a:t>
+            </a:r>
+            <a:r>
+              <a:rPr lang="en-US" sz="2800" b="1" dirty="0" err="1" smtClean="0">
+                <a:solidFill>
+                  <a:srgbClr val="FF0000"/>
+                </a:solidFill>
+              </a:rPr>
+              <a:t>algoritma</a:t>
+            </a:r>
+            <a:r>
+              <a:rPr lang="en-US" sz="2800" dirty="0" smtClean="0"/>
+              <a:t> </a:t>
+            </a:r>
+            <a:r>
+              <a:rPr lang="en-US" sz="2800" dirty="0" err="1" smtClean="0"/>
+              <a:t>pada</a:t>
+            </a:r>
+            <a:r>
+              <a:rPr lang="en-US" sz="2800" dirty="0" smtClean="0"/>
+              <a:t> program. </a:t>
+            </a:r>
+          </a:p>
+          <a:p>
+            <a:pPr marL="0" indent="0">
+              <a:buNone/>
+            </a:pPr>
+            <a:endParaRPr lang="en-US" sz="2800" dirty="0"/>
+          </a:p>
+          <a:p>
+            <a:r>
+              <a:rPr lang="en-US" sz="2800" dirty="0" err="1" smtClean="0"/>
+              <a:t>Pada</a:t>
+            </a:r>
+            <a:r>
+              <a:rPr lang="en-US" sz="2800" dirty="0" smtClean="0"/>
+              <a:t> policy iteration, </a:t>
+            </a:r>
+            <a:r>
+              <a:rPr lang="en-US" sz="2800" b="1" dirty="0" err="1" smtClean="0">
+                <a:solidFill>
+                  <a:srgbClr val="FF0000"/>
+                </a:solidFill>
+              </a:rPr>
+              <a:t>iterasi</a:t>
+            </a:r>
+            <a:r>
+              <a:rPr lang="en-US" sz="2800" b="1" dirty="0" smtClean="0">
+                <a:solidFill>
+                  <a:srgbClr val="FF0000"/>
+                </a:solidFill>
+              </a:rPr>
+              <a:t> </a:t>
+            </a:r>
+            <a:r>
+              <a:rPr lang="en-US" sz="2800" b="1" dirty="0" err="1" smtClean="0">
+                <a:solidFill>
+                  <a:srgbClr val="FF0000"/>
+                </a:solidFill>
+              </a:rPr>
+              <a:t>dilakukan</a:t>
+            </a:r>
+            <a:r>
+              <a:rPr lang="en-US" sz="2800" b="1" dirty="0" smtClean="0">
+                <a:solidFill>
+                  <a:srgbClr val="FF0000"/>
+                </a:solidFill>
+              </a:rPr>
+              <a:t> </a:t>
+            </a:r>
+            <a:r>
+              <a:rPr lang="en-US" sz="2800" b="1" dirty="0" err="1" smtClean="0">
+                <a:solidFill>
+                  <a:srgbClr val="FF0000"/>
+                </a:solidFill>
+              </a:rPr>
+              <a:t>lebih</a:t>
+            </a:r>
+            <a:r>
+              <a:rPr lang="en-US" sz="2800" b="1" dirty="0" smtClean="0">
+                <a:solidFill>
+                  <a:srgbClr val="FF0000"/>
+                </a:solidFill>
+              </a:rPr>
+              <a:t> </a:t>
+            </a:r>
+            <a:r>
+              <a:rPr lang="en-US" sz="2800" dirty="0" err="1" smtClean="0"/>
+              <a:t>sering</a:t>
+            </a:r>
+            <a:r>
+              <a:rPr lang="en-US" sz="2800" dirty="0" smtClean="0"/>
+              <a:t> </a:t>
+            </a:r>
+            <a:r>
+              <a:rPr lang="en-US" sz="2800" dirty="0" err="1" smtClean="0"/>
+              <a:t>dikarenakan</a:t>
+            </a:r>
+            <a:r>
+              <a:rPr lang="en-US" sz="2800" dirty="0" smtClean="0"/>
+              <a:t> </a:t>
+            </a:r>
+            <a:r>
+              <a:rPr lang="en-US" sz="2800" dirty="0" err="1" smtClean="0"/>
+              <a:t>untuk</a:t>
+            </a:r>
+            <a:r>
+              <a:rPr lang="en-US" sz="2800" dirty="0" smtClean="0"/>
+              <a:t> </a:t>
+            </a:r>
+            <a:r>
+              <a:rPr lang="en-US" sz="2800" dirty="0" err="1" smtClean="0"/>
+              <a:t>meningkatkan</a:t>
+            </a:r>
+            <a:r>
+              <a:rPr lang="en-US" sz="2800" dirty="0" smtClean="0"/>
+              <a:t> </a:t>
+            </a:r>
+            <a:r>
+              <a:rPr lang="en-US" sz="2800" dirty="0" err="1" smtClean="0"/>
+              <a:t>algoritma</a:t>
+            </a:r>
+            <a:r>
+              <a:rPr lang="en-US" sz="2800" dirty="0" smtClean="0"/>
+              <a:t> </a:t>
+            </a:r>
+            <a:r>
+              <a:rPr lang="en-US" sz="2800" dirty="0" err="1" smtClean="0"/>
+              <a:t>pada</a:t>
+            </a:r>
+            <a:r>
+              <a:rPr lang="en-US" sz="2800" dirty="0" smtClean="0"/>
+              <a:t> program.</a:t>
+            </a:r>
+            <a:endParaRPr lang="en-US" sz="2800" dirty="0"/>
+          </a:p>
+        </p:txBody>
+      </p:sp>
+      <p:sp>
+        <p:nvSpPr>
+          <p:cNvPr id="4" name="Content Placeholder 3"/>
+          <p:cNvSpPr>
+            <a:spLocks noGrp="1"/>
+          </p:cNvSpPr>
+          <p:nvPr>
+            <p:ph sz="quarter" idx="11"/>
+          </p:nvPr>
+        </p:nvSpPr>
+        <p:spPr/>
+        <p:txBody>
+          <a:bodyPr/>
+          <a:lstStyle/>
+          <a:p>
+            <a:r>
+              <a:rPr lang="en-US" dirty="0" err="1" smtClean="0"/>
+              <a:t>Tujuan</a:t>
+            </a:r>
+            <a:endParaRPr lang="en-US" dirty="0"/>
+          </a:p>
+        </p:txBody>
+      </p:sp>
+    </p:spTree>
+    <p:extLst>
+      <p:ext uri="{BB962C8B-B14F-4D97-AF65-F5344CB8AC3E}">
+        <p14:creationId xmlns:p14="http://schemas.microsoft.com/office/powerpoint/2010/main" val="1742872446"/>
+      </p:ext>
+    </p:extLst>
+  </p:cSld>
+  <p:clrMapOvr>
+    <a:masterClrMapping/>
+  </p:clrMapOvr>
+  <p:timing>
+    <p:tnLst>
+      <p:par>
+        <p:cTn id="1" dur="indefinite" restart="never" nodeType="tmRoot"/>
+      </p:par>
+    </p:tnLst>
+  </p:timing>
+</p:sld>
+</file>
+
+<file path=ppt/slides/slide19.xml><?xml version="1.0" encoding="utf-8"?>
+<p:sld xmlns:a="http://schemas.openxmlformats.org/drawingml/2006/main" xmlns:r="http://schemas.openxmlformats.org/officeDocument/2006/relationships" xmlns:p="http://schemas.openxmlformats.org/presentationml/2006/main">
+  <p:cSld>
+    <p:spTree>
+      <p:nvGrpSpPr>
+        <p:cNvPr id="1" name=""/>
+        <p:cNvGrpSpPr/>
+        <p:nvPr/>
+      </p:nvGrpSpPr>
+      <p:grpSpPr>
+        <a:xfrm>
+          <a:off x="0" y="0"/>
+          <a:ext cx="0" cy="0"/>
+          <a:chOff x="0" y="0"/>
+          <a:chExt cx="0" cy="0"/>
+        </a:xfrm>
+      </p:grpSpPr>
+      <p:sp>
+        <p:nvSpPr>
+          <p:cNvPr id="2" name="Title 1"/>
+          <p:cNvSpPr>
+            <a:spLocks noGrp="1"/>
+          </p:cNvSpPr>
+          <p:nvPr>
+            <p:ph type="title"/>
+          </p:nvPr>
+        </p:nvSpPr>
+        <p:spPr/>
+        <p:txBody>
+          <a:bodyPr/>
+          <a:lstStyle/>
+          <a:p>
+            <a:r>
+              <a:rPr lang="en-US" dirty="0" smtClean="0"/>
+              <a:t>Value Iteration &amp; Policy Iteration</a:t>
+            </a:r>
+            <a:endParaRPr lang="en-US" dirty="0"/>
           </a:p>
         </p:txBody>
       </p:sp>
       <p:pic>
         <p:nvPicPr>
-          <p:cNvPr id="76" name="Picture 75"/>
+          <p:cNvPr id="5" name="Content Placeholder 4"/>
           <p:cNvPicPr>
-            <a:picLocks noChangeAspect="1"/>
+            <a:picLocks noGrp="1" noChangeAspect="1"/>
           </p:cNvPicPr>
-          <p:nvPr/>
+          <p:nvPr>
+            <p:ph idx="1"/>
+          </p:nvPr>
         </p:nvPicPr>
         <p:blipFill>
-          <a:blip r:embed="rId2" cstate="print">
+          <a:blip r:embed="rId3" cstate="print">
             <a:extLst>
               <a:ext uri="{28A0092B-C50C-407E-A947-70E740481C1C}">
                 <a14:useLocalDpi xmlns:a14="http://schemas.microsoft.com/office/drawing/2010/main" val="0"/>
@@ -6935,18 +9035,15 @@
         </p:blipFill>
         <p:spPr>
           <a:xfrm>
-            <a:off x="5834744" y="3428601"/>
-            <a:ext cx="5052943" cy="1727423"/>
+            <a:off x="1763938" y="1677898"/>
+            <a:ext cx="8031081" cy="4650013"/>
           </a:xfrm>
-          <a:prstGeom prst="rect">
-            <a:avLst/>
-          </a:prstGeom>
         </p:spPr>
       </p:pic>
     </p:spTree>
     <p:extLst>
       <p:ext uri="{BB962C8B-B14F-4D97-AF65-F5344CB8AC3E}">
-        <p14:creationId xmlns:p14="http://schemas.microsoft.com/office/powerpoint/2010/main" val="851342296"/>
+        <p14:creationId xmlns:p14="http://schemas.microsoft.com/office/powerpoint/2010/main" val="3674173269"/>
       </p:ext>
     </p:extLst>
   </p:cSld>
@@ -7050,10 +9147,6 @@
               </a:rPr>
               <a:t>Elang</a:t>
             </a:r>
-            <a:endParaRPr lang="en-US" sz="3600" dirty="0" smtClean="0">
-              <a:latin typeface="Segoe UI Semibold"/>
-              <a:cs typeface="Segoe UI Semibold"/>
-            </a:endParaRPr>
           </a:p>
           <a:p>
             <a:endParaRPr lang="en-US" sz="3600" dirty="0" smtClean="0">
@@ -7099,6 +9192,1717 @@
     <p:extLst>
       <p:ext uri="{BB962C8B-B14F-4D97-AF65-F5344CB8AC3E}">
         <p14:creationId xmlns:p14="http://schemas.microsoft.com/office/powerpoint/2010/main" val="354751581"/>
+      </p:ext>
+    </p:extLst>
+  </p:cSld>
+  <p:clrMapOvr>
+    <a:masterClrMapping/>
+  </p:clrMapOvr>
+  <p:timing>
+    <p:tnLst>
+      <p:par>
+        <p:cTn id="1" dur="indefinite" restart="never" nodeType="tmRoot"/>
+      </p:par>
+    </p:tnLst>
+  </p:timing>
+</p:sld>
+</file>
+
+<file path=ppt/slides/slide20.xml><?xml version="1.0" encoding="utf-8"?>
+<p:sld xmlns:a="http://schemas.openxmlformats.org/drawingml/2006/main" xmlns:r="http://schemas.openxmlformats.org/officeDocument/2006/relationships" xmlns:p="http://schemas.openxmlformats.org/presentationml/2006/main">
+  <p:cSld>
+    <p:spTree>
+      <p:nvGrpSpPr>
+        <p:cNvPr id="1" name=""/>
+        <p:cNvGrpSpPr/>
+        <p:nvPr/>
+      </p:nvGrpSpPr>
+      <p:grpSpPr>
+        <a:xfrm>
+          <a:off x="0" y="0"/>
+          <a:ext cx="0" cy="0"/>
+          <a:chOff x="0" y="0"/>
+          <a:chExt cx="0" cy="0"/>
+        </a:xfrm>
+      </p:grpSpPr>
+      <p:sp>
+        <p:nvSpPr>
+          <p:cNvPr id="2" name="Title 1"/>
+          <p:cNvSpPr>
+            <a:spLocks noGrp="1"/>
+          </p:cNvSpPr>
+          <p:nvPr>
+            <p:ph type="title"/>
+          </p:nvPr>
+        </p:nvSpPr>
+        <p:spPr/>
+        <p:txBody>
+          <a:bodyPr/>
+          <a:lstStyle/>
+          <a:p>
+            <a:r>
+              <a:rPr lang="en-US" dirty="0" smtClean="0"/>
+              <a:t>Q Learning</a:t>
+            </a:r>
+            <a:endParaRPr lang="en-US" dirty="0"/>
+          </a:p>
+        </p:txBody>
+      </p:sp>
+      <p:sp>
+        <p:nvSpPr>
+          <p:cNvPr id="3" name="Content Placeholder 2"/>
+          <p:cNvSpPr>
+            <a:spLocks noGrp="1"/>
+          </p:cNvSpPr>
+          <p:nvPr>
+            <p:ph idx="1"/>
+          </p:nvPr>
+        </p:nvSpPr>
+        <p:spPr/>
+        <p:txBody>
+          <a:bodyPr>
+            <a:noAutofit/>
+          </a:bodyPr>
+          <a:lstStyle/>
+          <a:p>
+            <a:pPr marL="0" indent="0">
+              <a:buNone/>
+            </a:pPr>
+            <a:r>
+              <a:rPr lang="en-US" sz="2400" b="1" dirty="0" smtClean="0"/>
+              <a:t>Q-Learning</a:t>
+            </a:r>
+            <a:r>
+              <a:rPr lang="en-US" sz="2400" dirty="0" smtClean="0"/>
+              <a:t> </a:t>
+            </a:r>
+            <a:r>
+              <a:rPr lang="en-US" sz="2400" dirty="0" err="1" smtClean="0"/>
+              <a:t>adalah</a:t>
+            </a:r>
+            <a:r>
+              <a:rPr lang="en-US" sz="2400" dirty="0" smtClean="0"/>
+              <a:t> </a:t>
+            </a:r>
+            <a:r>
+              <a:rPr lang="en-US" sz="2400" dirty="0" err="1" smtClean="0"/>
+              <a:t>suatu</a:t>
+            </a:r>
+            <a:r>
+              <a:rPr lang="en-US" sz="2400" dirty="0" smtClean="0"/>
+              <a:t> </a:t>
+            </a:r>
+            <a:r>
+              <a:rPr lang="en-US" sz="2400" b="1" dirty="0" err="1" smtClean="0"/>
+              <a:t>algoritma</a:t>
+            </a:r>
+            <a:r>
+              <a:rPr lang="en-US" sz="2400" b="1" dirty="0" smtClean="0"/>
+              <a:t> model </a:t>
+            </a:r>
+            <a:r>
+              <a:rPr lang="en-US" sz="2400" b="1" dirty="0" err="1" smtClean="0"/>
+              <a:t>pembelajaran</a:t>
+            </a:r>
+            <a:r>
+              <a:rPr lang="en-US" sz="2400" dirty="0"/>
+              <a:t> </a:t>
+            </a:r>
+            <a:r>
+              <a:rPr lang="en-US" sz="2400" dirty="0" smtClean="0"/>
+              <a:t>yang </a:t>
+            </a:r>
+            <a:r>
+              <a:rPr lang="en-US" sz="2400" dirty="0" err="1" smtClean="0"/>
+              <a:t>berasumsi</a:t>
+            </a:r>
+            <a:r>
+              <a:rPr lang="en-US" sz="2400" dirty="0" smtClean="0"/>
+              <a:t> </a:t>
+            </a:r>
+            <a:r>
+              <a:rPr lang="en-US" sz="2400" dirty="0" err="1" smtClean="0"/>
+              <a:t>bahwa</a:t>
+            </a:r>
+            <a:r>
+              <a:rPr lang="en-US" sz="2400" dirty="0" smtClean="0"/>
+              <a:t> </a:t>
+            </a:r>
+            <a:r>
+              <a:rPr lang="en-US" sz="2400" b="1" dirty="0" err="1" smtClean="0"/>
+              <a:t>dia</a:t>
+            </a:r>
+            <a:r>
+              <a:rPr lang="en-US" sz="2400" b="1" dirty="0" smtClean="0"/>
+              <a:t> </a:t>
+            </a:r>
+            <a:r>
+              <a:rPr lang="en-US" sz="2400" b="1" dirty="0" err="1" smtClean="0"/>
+              <a:t>tidak</a:t>
+            </a:r>
+            <a:r>
+              <a:rPr lang="en-US" sz="2400" b="1" dirty="0" smtClean="0"/>
+              <a:t> </a:t>
+            </a:r>
+            <a:r>
+              <a:rPr lang="en-US" sz="2400" b="1" dirty="0" err="1" smtClean="0"/>
+              <a:t>mengetahui</a:t>
+            </a:r>
+            <a:r>
+              <a:rPr lang="en-US" sz="2400" b="1" dirty="0" smtClean="0"/>
+              <a:t> </a:t>
+            </a:r>
+            <a:r>
+              <a:rPr lang="en-US" sz="2400" b="1" dirty="0" err="1" smtClean="0"/>
+              <a:t>tentang</a:t>
+            </a:r>
+            <a:r>
+              <a:rPr lang="en-US" sz="2400" b="1" dirty="0" smtClean="0"/>
+              <a:t> state transition </a:t>
+            </a:r>
+            <a:r>
+              <a:rPr lang="en-US" sz="2400" b="1" dirty="0" err="1" smtClean="0"/>
+              <a:t>dan</a:t>
+            </a:r>
+            <a:r>
+              <a:rPr lang="en-US" sz="2400" b="1" dirty="0" smtClean="0"/>
+              <a:t> reward </a:t>
+            </a:r>
+            <a:r>
+              <a:rPr lang="en-US" sz="2400" b="1" dirty="0" err="1" smtClean="0"/>
+              <a:t>modelnya</a:t>
+            </a:r>
+            <a:r>
+              <a:rPr lang="en-US" sz="2400" dirty="0" smtClean="0"/>
+              <a:t>. </a:t>
+            </a:r>
+          </a:p>
+          <a:p>
+            <a:pPr marL="0" indent="0">
+              <a:buNone/>
+            </a:pPr>
+            <a:endParaRPr lang="en-US" sz="2400" dirty="0"/>
+          </a:p>
+          <a:p>
+            <a:pPr marL="0" indent="0">
+              <a:buNone/>
+            </a:pPr>
+            <a:r>
+              <a:rPr lang="en-US" sz="2400" dirty="0" err="1" smtClean="0"/>
+              <a:t>Jadi</a:t>
+            </a:r>
+            <a:r>
+              <a:rPr lang="en-US" sz="2400" dirty="0" smtClean="0"/>
+              <a:t>, </a:t>
+            </a:r>
+            <a:r>
+              <a:rPr lang="en-US" sz="2400" dirty="0" err="1" smtClean="0"/>
+              <a:t>si</a:t>
+            </a:r>
+            <a:r>
+              <a:rPr lang="en-US" sz="2400" dirty="0" smtClean="0"/>
+              <a:t> agent </a:t>
+            </a:r>
+            <a:r>
+              <a:rPr lang="en-US" sz="2400" dirty="0" err="1" smtClean="0"/>
+              <a:t>akan</a:t>
+            </a:r>
+            <a:r>
+              <a:rPr lang="en-US" sz="2400" dirty="0" smtClean="0"/>
+              <a:t> </a:t>
+            </a:r>
+            <a:r>
+              <a:rPr lang="en-US" sz="2400" b="1" dirty="0" err="1" smtClean="0"/>
+              <a:t>mencari</a:t>
+            </a:r>
+            <a:r>
+              <a:rPr lang="en-US" sz="2400" b="1" dirty="0" smtClean="0"/>
+              <a:t> </a:t>
+            </a:r>
+            <a:r>
+              <a:rPr lang="en-US" sz="2400" b="1" dirty="0" err="1" smtClean="0"/>
+              <a:t>tahu</a:t>
+            </a:r>
+            <a:r>
+              <a:rPr lang="en-US" sz="2400" b="1" dirty="0" smtClean="0"/>
+              <a:t> </a:t>
+            </a:r>
+            <a:r>
+              <a:rPr lang="en-US" sz="2400" b="1" dirty="0" err="1" smtClean="0"/>
+              <a:t>itu</a:t>
+            </a:r>
+            <a:r>
+              <a:rPr lang="en-US" sz="2400" b="1" dirty="0" smtClean="0"/>
+              <a:t> </a:t>
+            </a:r>
+            <a:r>
+              <a:rPr lang="en-US" sz="2400" b="1" dirty="0" err="1" smtClean="0"/>
+              <a:t>baik</a:t>
+            </a:r>
+            <a:r>
+              <a:rPr lang="en-US" sz="2400" b="1" dirty="0" smtClean="0"/>
+              <a:t> </a:t>
+            </a:r>
+            <a:r>
+              <a:rPr lang="en-US" sz="2400" b="1" dirty="0" err="1" smtClean="0"/>
+              <a:t>atau</a:t>
+            </a:r>
+            <a:r>
+              <a:rPr lang="en-US" sz="2400" b="1" dirty="0" smtClean="0"/>
+              <a:t> </a:t>
+            </a:r>
+            <a:r>
+              <a:rPr lang="en-US" sz="2400" b="1" dirty="0" err="1" smtClean="0"/>
+              <a:t>buruk</a:t>
+            </a:r>
+            <a:r>
+              <a:rPr lang="en-US" sz="2400" dirty="0" smtClean="0"/>
+              <a:t> </a:t>
+            </a:r>
+            <a:r>
+              <a:rPr lang="en-US" sz="2400" dirty="0" err="1" smtClean="0"/>
+              <a:t>dari</a:t>
+            </a:r>
+            <a:r>
+              <a:rPr lang="en-US" sz="2400" dirty="0" smtClean="0"/>
+              <a:t> </a:t>
+            </a:r>
+            <a:r>
+              <a:rPr lang="en-US" sz="2400" b="1" dirty="0" err="1" smtClean="0"/>
+              <a:t>melakukan</a:t>
+            </a:r>
+            <a:r>
+              <a:rPr lang="en-US" sz="2400" b="1" dirty="0" smtClean="0"/>
+              <a:t> trial </a:t>
+            </a:r>
+            <a:r>
+              <a:rPr lang="en-US" sz="2400" b="1" dirty="0" err="1" smtClean="0"/>
+              <a:t>dan</a:t>
+            </a:r>
+            <a:r>
+              <a:rPr lang="en-US" sz="2400" b="1" dirty="0" smtClean="0"/>
+              <a:t> error</a:t>
+            </a:r>
+            <a:endParaRPr lang="en-US" sz="2400" b="1" dirty="0"/>
+          </a:p>
+        </p:txBody>
+      </p:sp>
+      <p:sp>
+        <p:nvSpPr>
+          <p:cNvPr id="4" name="Content Placeholder 3"/>
+          <p:cNvSpPr>
+            <a:spLocks noGrp="1"/>
+          </p:cNvSpPr>
+          <p:nvPr>
+            <p:ph sz="quarter" idx="11"/>
+          </p:nvPr>
+        </p:nvSpPr>
+        <p:spPr/>
+        <p:txBody>
+          <a:bodyPr/>
+          <a:lstStyle/>
+          <a:p>
+            <a:endParaRPr lang="en-US" dirty="0"/>
+          </a:p>
+        </p:txBody>
+      </p:sp>
+    </p:spTree>
+    <p:extLst>
+      <p:ext uri="{BB962C8B-B14F-4D97-AF65-F5344CB8AC3E}">
+        <p14:creationId xmlns:p14="http://schemas.microsoft.com/office/powerpoint/2010/main" val="733606809"/>
+      </p:ext>
+    </p:extLst>
+  </p:cSld>
+  <p:clrMapOvr>
+    <a:masterClrMapping/>
+  </p:clrMapOvr>
+  <p:timing>
+    <p:tnLst>
+      <p:par>
+        <p:cTn id="1" dur="indefinite" restart="never" nodeType="tmRoot"/>
+      </p:par>
+    </p:tnLst>
+  </p:timing>
+</p:sld>
+</file>
+
+<file path=ppt/slides/slide21.xml><?xml version="1.0" encoding="utf-8"?>
+<p:sld xmlns:a="http://schemas.openxmlformats.org/drawingml/2006/main" xmlns:r="http://schemas.openxmlformats.org/officeDocument/2006/relationships" xmlns:p="http://schemas.openxmlformats.org/presentationml/2006/main">
+  <p:cSld>
+    <p:spTree>
+      <p:nvGrpSpPr>
+        <p:cNvPr id="1" name=""/>
+        <p:cNvGrpSpPr/>
+        <p:nvPr/>
+      </p:nvGrpSpPr>
+      <p:grpSpPr>
+        <a:xfrm>
+          <a:off x="0" y="0"/>
+          <a:ext cx="0" cy="0"/>
+          <a:chOff x="0" y="0"/>
+          <a:chExt cx="0" cy="0"/>
+        </a:xfrm>
+      </p:grpSpPr>
+      <p:sp>
+        <p:nvSpPr>
+          <p:cNvPr id="2" name="Title 1"/>
+          <p:cNvSpPr>
+            <a:spLocks noGrp="1"/>
+          </p:cNvSpPr>
+          <p:nvPr>
+            <p:ph type="title"/>
+          </p:nvPr>
+        </p:nvSpPr>
+        <p:spPr/>
+        <p:txBody>
+          <a:bodyPr/>
+          <a:lstStyle/>
+          <a:p>
+            <a:r>
+              <a:rPr lang="en-US" dirty="0" smtClean="0"/>
+              <a:t>Example of Q-Learning</a:t>
+            </a:r>
+            <a:endParaRPr lang="en-US" dirty="0"/>
+          </a:p>
+        </p:txBody>
+      </p:sp>
+      <p:pic>
+        <p:nvPicPr>
+          <p:cNvPr id="6" name="Content Placeholder 5"/>
+          <p:cNvPicPr>
+            <a:picLocks noGrp="1" noChangeAspect="1"/>
+          </p:cNvPicPr>
+          <p:nvPr>
+            <p:ph idx="1"/>
+          </p:nvPr>
+        </p:nvPicPr>
+        <p:blipFill>
+          <a:blip r:embed="rId2" cstate="print">
+            <a:extLst>
+              <a:ext uri="{28A0092B-C50C-407E-A947-70E740481C1C}">
+                <a14:useLocalDpi xmlns:a14="http://schemas.microsoft.com/office/drawing/2010/main" val="0"/>
+              </a:ext>
+            </a:extLst>
+          </a:blip>
+          <a:stretch>
+            <a:fillRect/>
+          </a:stretch>
+        </p:blipFill>
+        <p:spPr>
+          <a:xfrm>
+            <a:off x="397641" y="2322306"/>
+            <a:ext cx="5178911" cy="3752025"/>
+          </a:xfrm>
+        </p:spPr>
+      </p:pic>
+      <p:sp>
+        <p:nvSpPr>
+          <p:cNvPr id="12" name="Content Placeholder 11"/>
+          <p:cNvSpPr>
+            <a:spLocks noGrp="1"/>
+          </p:cNvSpPr>
+          <p:nvPr>
+            <p:ph sz="quarter" idx="11"/>
+          </p:nvPr>
+        </p:nvSpPr>
+        <p:spPr>
+          <a:xfrm>
+            <a:off x="813732" y="1734487"/>
+            <a:ext cx="4733925" cy="512762"/>
+          </a:xfrm>
+        </p:spPr>
+        <p:txBody>
+          <a:bodyPr/>
+          <a:lstStyle/>
+          <a:p>
+            <a:r>
+              <a:rPr lang="en-US" dirty="0" err="1" smtClean="0"/>
+              <a:t>Jalur</a:t>
+            </a:r>
+            <a:r>
+              <a:rPr lang="en-US" dirty="0" smtClean="0"/>
+              <a:t> </a:t>
+            </a:r>
+            <a:r>
+              <a:rPr lang="en-US" dirty="0" err="1" smtClean="0"/>
+              <a:t>untuk</a:t>
+            </a:r>
+            <a:r>
+              <a:rPr lang="en-US" dirty="0" smtClean="0"/>
+              <a:t> </a:t>
+            </a:r>
+            <a:r>
+              <a:rPr lang="en-US" dirty="0" err="1" smtClean="0"/>
+              <a:t>mencari</a:t>
+            </a:r>
+            <a:r>
+              <a:rPr lang="en-US" dirty="0" smtClean="0"/>
+              <a:t> </a:t>
+            </a:r>
+            <a:r>
+              <a:rPr lang="en-US" dirty="0" err="1" smtClean="0"/>
+              <a:t>sarang</a:t>
+            </a:r>
+            <a:r>
+              <a:rPr lang="en-US" dirty="0" smtClean="0"/>
+              <a:t> </a:t>
+            </a:r>
+            <a:r>
+              <a:rPr lang="en-US" dirty="0" err="1" smtClean="0"/>
+              <a:t>lebah</a:t>
+            </a:r>
+            <a:endParaRPr lang="en-US" dirty="0"/>
+          </a:p>
+        </p:txBody>
+      </p:sp>
+      <p:pic>
+        <p:nvPicPr>
+          <p:cNvPr id="13" name="Picture 12"/>
+          <p:cNvPicPr>
+            <a:picLocks noChangeAspect="1"/>
+          </p:cNvPicPr>
+          <p:nvPr/>
+        </p:nvPicPr>
+        <p:blipFill>
+          <a:blip r:embed="rId3"/>
+          <a:stretch>
+            <a:fillRect/>
+          </a:stretch>
+        </p:blipFill>
+        <p:spPr>
+          <a:xfrm>
+            <a:off x="5869631" y="2345100"/>
+            <a:ext cx="5822472" cy="3706435"/>
+          </a:xfrm>
+          <a:prstGeom prst="rect">
+            <a:avLst/>
+          </a:prstGeom>
+        </p:spPr>
+      </p:pic>
+      <p:sp>
+        <p:nvSpPr>
+          <p:cNvPr id="14" name="Content Placeholder 11"/>
+          <p:cNvSpPr txBox="1">
+            <a:spLocks/>
+          </p:cNvSpPr>
+          <p:nvPr/>
+        </p:nvSpPr>
+        <p:spPr>
+          <a:xfrm>
+            <a:off x="6958178" y="1743721"/>
+            <a:ext cx="4733925" cy="512762"/>
+          </a:xfrm>
+          <a:prstGeom prst="rect">
+            <a:avLst/>
+          </a:prstGeom>
+        </p:spPr>
+        <p:txBody>
+          <a:bodyPr vert="horz" lIns="91440" tIns="45720" rIns="91440" bIns="45720" rtlCol="0">
+            <a:noAutofit/>
+          </a:bodyPr>
+          <a:lstStyle>
+            <a:lvl1pPr marL="0" indent="0" algn="l" defTabSz="914400" rtl="0" eaLnBrk="1" latinLnBrk="0" hangingPunct="1">
+              <a:lnSpc>
+                <a:spcPct val="120000"/>
+              </a:lnSpc>
+              <a:spcBef>
+                <a:spcPts val="1000"/>
+              </a:spcBef>
+              <a:buClr>
+                <a:schemeClr val="bg1">
+                  <a:lumMod val="50000"/>
+                </a:schemeClr>
+              </a:buClr>
+              <a:buFontTx/>
+              <a:buNone/>
+              <a:defRPr sz="1700" kern="1200">
+                <a:solidFill>
+                  <a:schemeClr val="tx2"/>
+                </a:solidFill>
+                <a:latin typeface="Segoe UI Semibold"/>
+                <a:ea typeface="+mn-ea"/>
+                <a:cs typeface="Segoe UI Semibold"/>
+              </a:defRPr>
+            </a:lvl1pPr>
+            <a:lvl2pPr marL="457200" indent="0" algn="l" defTabSz="914400" rtl="0" eaLnBrk="1" latinLnBrk="0" hangingPunct="1">
+              <a:lnSpc>
+                <a:spcPct val="120000"/>
+              </a:lnSpc>
+              <a:spcBef>
+                <a:spcPts val="500"/>
+              </a:spcBef>
+              <a:buClr>
+                <a:schemeClr val="bg1">
+                  <a:lumMod val="50000"/>
+                </a:schemeClr>
+              </a:buClr>
+              <a:buFontTx/>
+              <a:buNone/>
+              <a:defRPr sz="1600" kern="1200">
+                <a:solidFill>
+                  <a:schemeClr val="tx2"/>
+                </a:solidFill>
+                <a:latin typeface="Segoe UI Semibold"/>
+                <a:ea typeface="+mn-ea"/>
+                <a:cs typeface="Segoe UI Semibold"/>
+              </a:defRPr>
+            </a:lvl2pPr>
+            <a:lvl3pPr marL="914400" indent="0" algn="l" defTabSz="914400" rtl="0" eaLnBrk="1" latinLnBrk="0" hangingPunct="1">
+              <a:lnSpc>
+                <a:spcPct val="90000"/>
+              </a:lnSpc>
+              <a:spcBef>
+                <a:spcPts val="500"/>
+              </a:spcBef>
+              <a:buFontTx/>
+              <a:buNone/>
+              <a:defRPr sz="1600" kern="1200">
+                <a:solidFill>
+                  <a:schemeClr val="tx2"/>
+                </a:solidFill>
+                <a:latin typeface="Segoe UI Semibold"/>
+                <a:ea typeface="+mn-ea"/>
+                <a:cs typeface="Segoe UI Semibold"/>
+              </a:defRPr>
+            </a:lvl3pPr>
+            <a:lvl4pPr marL="1371600" indent="0" algn="l" defTabSz="914400" rtl="0" eaLnBrk="1" latinLnBrk="0" hangingPunct="1">
+              <a:lnSpc>
+                <a:spcPct val="90000"/>
+              </a:lnSpc>
+              <a:spcBef>
+                <a:spcPts val="500"/>
+              </a:spcBef>
+              <a:buFontTx/>
+              <a:buNone/>
+              <a:defRPr sz="1600" kern="1200">
+                <a:solidFill>
+                  <a:schemeClr val="tx2"/>
+                </a:solidFill>
+                <a:latin typeface="Segoe UI Semibold"/>
+                <a:ea typeface="+mn-ea"/>
+                <a:cs typeface="Segoe UI Semibold"/>
+              </a:defRPr>
+            </a:lvl4pPr>
+            <a:lvl5pPr marL="1828800" indent="0" algn="l" defTabSz="914400" rtl="0" eaLnBrk="1" latinLnBrk="0" hangingPunct="1">
+              <a:lnSpc>
+                <a:spcPct val="90000"/>
+              </a:lnSpc>
+              <a:spcBef>
+                <a:spcPts val="500"/>
+              </a:spcBef>
+              <a:buFontTx/>
+              <a:buNone/>
+              <a:defRPr sz="1600" kern="1200">
+                <a:solidFill>
+                  <a:schemeClr val="tx2"/>
+                </a:solidFill>
+                <a:latin typeface="Segoe UI Semibold"/>
+                <a:ea typeface="+mn-ea"/>
+                <a:cs typeface="Segoe UI Semibold"/>
+              </a:defRPr>
+            </a:lvl5pPr>
+            <a:lvl6pPr marL="2514600" indent="-228600" algn="l" defTabSz="914400" rtl="0" eaLnBrk="1" latinLnBrk="0" hangingPunct="1">
+              <a:lnSpc>
+                <a:spcPct val="90000"/>
+              </a:lnSpc>
+              <a:spcBef>
+                <a:spcPts val="500"/>
+              </a:spcBef>
+              <a:buFont typeface="Arial" panose="020B0604020202020204" pitchFamily="34" charset="0"/>
+              <a:buChar char="•"/>
+              <a:defRPr sz="1800" kern="1200">
+                <a:solidFill>
+                  <a:schemeClr val="tx1"/>
+                </a:solidFill>
+                <a:latin typeface="+mn-lt"/>
+                <a:ea typeface="+mn-ea"/>
+                <a:cs typeface="+mn-cs"/>
+              </a:defRPr>
+            </a:lvl6pPr>
+            <a:lvl7pPr marL="2971800" indent="-228600" algn="l" defTabSz="914400" rtl="0" eaLnBrk="1" latinLnBrk="0" hangingPunct="1">
+              <a:lnSpc>
+                <a:spcPct val="90000"/>
+              </a:lnSpc>
+              <a:spcBef>
+                <a:spcPts val="500"/>
+              </a:spcBef>
+              <a:buFont typeface="Arial" panose="020B0604020202020204" pitchFamily="34" charset="0"/>
+              <a:buChar char="•"/>
+              <a:defRPr sz="1800" kern="1200">
+                <a:solidFill>
+                  <a:schemeClr val="tx1"/>
+                </a:solidFill>
+                <a:latin typeface="+mn-lt"/>
+                <a:ea typeface="+mn-ea"/>
+                <a:cs typeface="+mn-cs"/>
+              </a:defRPr>
+            </a:lvl7pPr>
+            <a:lvl8pPr marL="3429000" indent="-228600" algn="l" defTabSz="914400" rtl="0" eaLnBrk="1" latinLnBrk="0" hangingPunct="1">
+              <a:lnSpc>
+                <a:spcPct val="90000"/>
+              </a:lnSpc>
+              <a:spcBef>
+                <a:spcPts val="500"/>
+              </a:spcBef>
+              <a:buFont typeface="Arial" panose="020B0604020202020204" pitchFamily="34" charset="0"/>
+              <a:buChar char="•"/>
+              <a:defRPr sz="1800" kern="1200">
+                <a:solidFill>
+                  <a:schemeClr val="tx1"/>
+                </a:solidFill>
+                <a:latin typeface="+mn-lt"/>
+                <a:ea typeface="+mn-ea"/>
+                <a:cs typeface="+mn-cs"/>
+              </a:defRPr>
+            </a:lvl8pPr>
+            <a:lvl9pPr marL="3886200" indent="-228600" algn="l" defTabSz="914400" rtl="0" eaLnBrk="1" latinLnBrk="0" hangingPunct="1">
+              <a:lnSpc>
+                <a:spcPct val="90000"/>
+              </a:lnSpc>
+              <a:spcBef>
+                <a:spcPts val="500"/>
+              </a:spcBef>
+              <a:buFont typeface="Arial" panose="020B0604020202020204" pitchFamily="34" charset="0"/>
+              <a:buChar char="•"/>
+              <a:defRPr sz="1800" kern="1200">
+                <a:solidFill>
+                  <a:schemeClr val="tx1"/>
+                </a:solidFill>
+                <a:latin typeface="+mn-lt"/>
+                <a:ea typeface="+mn-ea"/>
+                <a:cs typeface="+mn-cs"/>
+              </a:defRPr>
+            </a:lvl9pPr>
+          </a:lstStyle>
+          <a:p>
+            <a:r>
+              <a:rPr lang="en-US" dirty="0" err="1" smtClean="0"/>
+              <a:t>Mencari</a:t>
+            </a:r>
+            <a:r>
+              <a:rPr lang="en-US" dirty="0" smtClean="0"/>
+              <a:t> </a:t>
+            </a:r>
+            <a:r>
+              <a:rPr lang="en-US" dirty="0" err="1" smtClean="0"/>
+              <a:t>jalur</a:t>
+            </a:r>
+            <a:r>
+              <a:rPr lang="en-US" dirty="0" smtClean="0"/>
+              <a:t> </a:t>
+            </a:r>
+            <a:r>
+              <a:rPr lang="en-US" dirty="0" err="1" smtClean="0"/>
+              <a:t>terpendek</a:t>
+            </a:r>
+            <a:endParaRPr lang="en-US" dirty="0"/>
+          </a:p>
+        </p:txBody>
+      </p:sp>
+    </p:spTree>
+    <p:extLst>
+      <p:ext uri="{BB962C8B-B14F-4D97-AF65-F5344CB8AC3E}">
+        <p14:creationId xmlns:p14="http://schemas.microsoft.com/office/powerpoint/2010/main" val="1460377595"/>
+      </p:ext>
+    </p:extLst>
+  </p:cSld>
+  <p:clrMapOvr>
+    <a:masterClrMapping/>
+  </p:clrMapOvr>
+  <p:timing>
+    <p:tnLst>
+      <p:par>
+        <p:cTn id="1" dur="indefinite" restart="never" nodeType="tmRoot"/>
+      </p:par>
+    </p:tnLst>
+  </p:timing>
+</p:sld>
+</file>
+
+<file path=ppt/slides/slide22.xml><?xml version="1.0" encoding="utf-8"?>
+<p:sld xmlns:a="http://schemas.openxmlformats.org/drawingml/2006/main" xmlns:r="http://schemas.openxmlformats.org/officeDocument/2006/relationships" xmlns:p="http://schemas.openxmlformats.org/presentationml/2006/main">
+  <p:cSld>
+    <p:spTree>
+      <p:nvGrpSpPr>
+        <p:cNvPr id="1" name=""/>
+        <p:cNvGrpSpPr/>
+        <p:nvPr/>
+      </p:nvGrpSpPr>
+      <p:grpSpPr>
+        <a:xfrm>
+          <a:off x="0" y="0"/>
+          <a:ext cx="0" cy="0"/>
+          <a:chOff x="0" y="0"/>
+          <a:chExt cx="0" cy="0"/>
+        </a:xfrm>
+      </p:grpSpPr>
+      <p:sp>
+        <p:nvSpPr>
+          <p:cNvPr id="2" name="Title 1"/>
+          <p:cNvSpPr>
+            <a:spLocks noGrp="1"/>
+          </p:cNvSpPr>
+          <p:nvPr>
+            <p:ph type="title"/>
+          </p:nvPr>
+        </p:nvSpPr>
+        <p:spPr/>
+        <p:txBody>
+          <a:bodyPr/>
+          <a:lstStyle/>
+          <a:p>
+            <a:r>
+              <a:rPr lang="en-US" dirty="0" err="1" smtClean="0"/>
+              <a:t>Mr</a:t>
+            </a:r>
+            <a:r>
+              <a:rPr lang="en-US" dirty="0" smtClean="0"/>
+              <a:t> Hendy’s Quotes</a:t>
+            </a:r>
+            <a:endParaRPr lang="en-US" dirty="0"/>
+          </a:p>
+        </p:txBody>
+      </p:sp>
+      <p:sp>
+        <p:nvSpPr>
+          <p:cNvPr id="3" name="Content Placeholder 2"/>
+          <p:cNvSpPr>
+            <a:spLocks noGrp="1"/>
+          </p:cNvSpPr>
+          <p:nvPr>
+            <p:ph idx="1"/>
+          </p:nvPr>
+        </p:nvSpPr>
+        <p:spPr/>
+        <p:txBody>
+          <a:bodyPr/>
+          <a:lstStyle/>
+          <a:p>
+            <a:endParaRPr lang="en-US"/>
+          </a:p>
+        </p:txBody>
+      </p:sp>
+      <p:sp>
+        <p:nvSpPr>
+          <p:cNvPr id="4" name="Content Placeholder 3"/>
+          <p:cNvSpPr>
+            <a:spLocks noGrp="1"/>
+          </p:cNvSpPr>
+          <p:nvPr>
+            <p:ph sz="quarter" idx="11"/>
+          </p:nvPr>
+        </p:nvSpPr>
+        <p:spPr/>
+        <p:txBody>
+          <a:bodyPr/>
+          <a:lstStyle/>
+          <a:p>
+            <a:endParaRPr lang="en-US"/>
+          </a:p>
+        </p:txBody>
+      </p:sp>
+      <p:pic>
+        <p:nvPicPr>
+          <p:cNvPr id="5" name="Picture 4"/>
+          <p:cNvPicPr>
+            <a:picLocks noChangeAspect="1"/>
+          </p:cNvPicPr>
+          <p:nvPr/>
+        </p:nvPicPr>
+        <p:blipFill>
+          <a:blip r:embed="rId2"/>
+          <a:stretch>
+            <a:fillRect/>
+          </a:stretch>
+        </p:blipFill>
+        <p:spPr>
+          <a:xfrm>
+            <a:off x="2843169" y="2017333"/>
+            <a:ext cx="5902924" cy="3426865"/>
+          </a:xfrm>
+          <a:prstGeom prst="rect">
+            <a:avLst/>
+          </a:prstGeom>
+        </p:spPr>
+      </p:pic>
+    </p:spTree>
+    <p:extLst>
+      <p:ext uri="{BB962C8B-B14F-4D97-AF65-F5344CB8AC3E}">
+        <p14:creationId xmlns:p14="http://schemas.microsoft.com/office/powerpoint/2010/main" val="3315226021"/>
+      </p:ext>
+    </p:extLst>
+  </p:cSld>
+  <p:clrMapOvr>
+    <a:masterClrMapping/>
+  </p:clrMapOvr>
+  <p:timing>
+    <p:tnLst>
+      <p:par>
+        <p:cTn id="1" dur="indefinite" restart="never" nodeType="tmRoot"/>
+      </p:par>
+    </p:tnLst>
+  </p:timing>
+</p:sld>
+</file>
+
+<file path=ppt/slides/slide23.xml><?xml version="1.0" encoding="utf-8"?>
+<p:sld xmlns:a="http://schemas.openxmlformats.org/drawingml/2006/main" xmlns:r="http://schemas.openxmlformats.org/officeDocument/2006/relationships" xmlns:p="http://schemas.openxmlformats.org/presentationml/2006/main">
+  <p:cSld>
+    <p:spTree>
+      <p:nvGrpSpPr>
+        <p:cNvPr id="1" name=""/>
+        <p:cNvGrpSpPr/>
+        <p:nvPr/>
+      </p:nvGrpSpPr>
+      <p:grpSpPr>
+        <a:xfrm>
+          <a:off x="0" y="0"/>
+          <a:ext cx="0" cy="0"/>
+          <a:chOff x="0" y="0"/>
+          <a:chExt cx="0" cy="0"/>
+        </a:xfrm>
+      </p:grpSpPr>
+      <p:sp>
+        <p:nvSpPr>
+          <p:cNvPr id="2" name="Title 1"/>
+          <p:cNvSpPr>
+            <a:spLocks noGrp="1"/>
+          </p:cNvSpPr>
+          <p:nvPr>
+            <p:ph type="title"/>
+          </p:nvPr>
+        </p:nvSpPr>
+        <p:spPr/>
+        <p:txBody>
+          <a:bodyPr/>
+          <a:lstStyle/>
+          <a:p>
+            <a:r>
+              <a:rPr lang="en-US" dirty="0" smtClean="0"/>
+              <a:t>“</a:t>
+            </a:r>
+            <a:r>
+              <a:rPr lang="en-US" dirty="0" err="1" smtClean="0"/>
+              <a:t>Siapa</a:t>
+            </a:r>
+            <a:r>
+              <a:rPr lang="en-US" dirty="0" smtClean="0"/>
+              <a:t> yang </a:t>
+            </a:r>
+            <a:r>
+              <a:rPr lang="en-US" dirty="0" err="1" smtClean="0"/>
+              <a:t>udah</a:t>
+            </a:r>
+            <a:r>
+              <a:rPr lang="en-US" dirty="0" smtClean="0"/>
+              <a:t> </a:t>
+            </a:r>
+            <a:r>
+              <a:rPr lang="en-US" dirty="0" err="1" smtClean="0"/>
+              <a:t>pakai</a:t>
+            </a:r>
+            <a:r>
+              <a:rPr lang="en-US" dirty="0" smtClean="0"/>
+              <a:t> ?”</a:t>
+            </a:r>
+            <a:endParaRPr lang="en-US" dirty="0"/>
+          </a:p>
+        </p:txBody>
+      </p:sp>
+      <p:sp>
+        <p:nvSpPr>
+          <p:cNvPr id="3" name="Content Placeholder 2"/>
+          <p:cNvSpPr>
+            <a:spLocks noGrp="1"/>
+          </p:cNvSpPr>
+          <p:nvPr>
+            <p:ph idx="1"/>
+          </p:nvPr>
+        </p:nvSpPr>
+        <p:spPr>
+          <a:xfrm>
+            <a:off x="568718" y="2360612"/>
+            <a:ext cx="10880599" cy="3512153"/>
+          </a:xfrm>
+        </p:spPr>
+        <p:txBody>
+          <a:bodyPr>
+            <a:normAutofit/>
+          </a:bodyPr>
+          <a:lstStyle/>
+          <a:p>
+            <a:r>
+              <a:rPr lang="en-US" sz="4800" dirty="0" smtClean="0"/>
+              <a:t>GOJEK</a:t>
+            </a:r>
+          </a:p>
+          <a:p>
+            <a:r>
+              <a:rPr lang="en-US" sz="4800" dirty="0" smtClean="0"/>
+              <a:t>GOOGLE</a:t>
+            </a:r>
+          </a:p>
+          <a:p>
+            <a:r>
+              <a:rPr lang="en-US" sz="4800" dirty="0" smtClean="0"/>
+              <a:t>WAZE</a:t>
+            </a:r>
+            <a:endParaRPr lang="en-US" sz="4800" dirty="0"/>
+          </a:p>
+        </p:txBody>
+      </p:sp>
+      <p:sp>
+        <p:nvSpPr>
+          <p:cNvPr id="4" name="Content Placeholder 3"/>
+          <p:cNvSpPr>
+            <a:spLocks noGrp="1"/>
+          </p:cNvSpPr>
+          <p:nvPr>
+            <p:ph sz="quarter" idx="11"/>
+          </p:nvPr>
+        </p:nvSpPr>
+        <p:spPr/>
+        <p:txBody>
+          <a:bodyPr/>
+          <a:lstStyle/>
+          <a:p>
+            <a:endParaRPr lang="en-US"/>
+          </a:p>
+        </p:txBody>
+      </p:sp>
+    </p:spTree>
+    <p:extLst>
+      <p:ext uri="{BB962C8B-B14F-4D97-AF65-F5344CB8AC3E}">
+        <p14:creationId xmlns:p14="http://schemas.microsoft.com/office/powerpoint/2010/main" val="2213516996"/>
+      </p:ext>
+    </p:extLst>
+  </p:cSld>
+  <p:clrMapOvr>
+    <a:masterClrMapping/>
+  </p:clrMapOvr>
+</p:sld>
+</file>
+
+<file path=ppt/slides/slide24.xml><?xml version="1.0" encoding="utf-8"?>
+<p:sld xmlns:a="http://schemas.openxmlformats.org/drawingml/2006/main" xmlns:r="http://schemas.openxmlformats.org/officeDocument/2006/relationships" xmlns:p="http://schemas.openxmlformats.org/presentationml/2006/main">
+  <p:cSld>
+    <p:spTree>
+      <p:nvGrpSpPr>
+        <p:cNvPr id="1" name=""/>
+        <p:cNvGrpSpPr/>
+        <p:nvPr/>
+      </p:nvGrpSpPr>
+      <p:grpSpPr>
+        <a:xfrm>
+          <a:off x="0" y="0"/>
+          <a:ext cx="0" cy="0"/>
+          <a:chOff x="0" y="0"/>
+          <a:chExt cx="0" cy="0"/>
+        </a:xfrm>
+      </p:grpSpPr>
+      <p:sp>
+        <p:nvSpPr>
+          <p:cNvPr id="2" name="Title 1"/>
+          <p:cNvSpPr>
+            <a:spLocks noGrp="1"/>
+          </p:cNvSpPr>
+          <p:nvPr>
+            <p:ph type="title"/>
+          </p:nvPr>
+        </p:nvSpPr>
+        <p:spPr/>
+        <p:txBody>
+          <a:bodyPr/>
+          <a:lstStyle/>
+          <a:p>
+            <a:r>
+              <a:rPr lang="en-US" dirty="0" smtClean="0"/>
+              <a:t>“</a:t>
+            </a:r>
+            <a:r>
+              <a:rPr lang="en-US" dirty="0" err="1" smtClean="0"/>
+              <a:t>Gimana</a:t>
+            </a:r>
+            <a:r>
+              <a:rPr lang="en-US" dirty="0" smtClean="0"/>
+              <a:t> </a:t>
+            </a:r>
+            <a:r>
+              <a:rPr lang="en-US" dirty="0" err="1" smtClean="0"/>
+              <a:t>mereka</a:t>
+            </a:r>
+            <a:r>
+              <a:rPr lang="en-US" dirty="0" smtClean="0"/>
+              <a:t> </a:t>
+            </a:r>
+            <a:r>
+              <a:rPr lang="en-US" dirty="0" err="1" smtClean="0"/>
+              <a:t>makainya</a:t>
+            </a:r>
+            <a:r>
+              <a:rPr lang="en-US" dirty="0" smtClean="0"/>
+              <a:t> ?”</a:t>
+            </a:r>
+            <a:endParaRPr lang="en-US" dirty="0"/>
+          </a:p>
+        </p:txBody>
+      </p:sp>
+      <p:sp>
+        <p:nvSpPr>
+          <p:cNvPr id="3" name="Content Placeholder 2"/>
+          <p:cNvSpPr>
+            <a:spLocks noGrp="1"/>
+          </p:cNvSpPr>
+          <p:nvPr>
+            <p:ph idx="1"/>
+          </p:nvPr>
+        </p:nvSpPr>
+        <p:spPr/>
+        <p:txBody>
+          <a:bodyPr/>
+          <a:lstStyle/>
+          <a:p>
+            <a:endParaRPr lang="en-US"/>
+          </a:p>
+        </p:txBody>
+      </p:sp>
+      <p:sp>
+        <p:nvSpPr>
+          <p:cNvPr id="4" name="Content Placeholder 3"/>
+          <p:cNvSpPr>
+            <a:spLocks noGrp="1"/>
+          </p:cNvSpPr>
+          <p:nvPr>
+            <p:ph sz="quarter" idx="11"/>
+          </p:nvPr>
+        </p:nvSpPr>
+        <p:spPr/>
+        <p:txBody>
+          <a:bodyPr/>
+          <a:lstStyle/>
+          <a:p>
+            <a:endParaRPr lang="en-US"/>
+          </a:p>
+        </p:txBody>
+      </p:sp>
+      <p:pic>
+        <p:nvPicPr>
+          <p:cNvPr id="5" name="Picture 4"/>
+          <p:cNvPicPr>
+            <a:picLocks noChangeAspect="1"/>
+          </p:cNvPicPr>
+          <p:nvPr/>
+        </p:nvPicPr>
+        <p:blipFill>
+          <a:blip r:embed="rId2"/>
+          <a:stretch>
+            <a:fillRect/>
+          </a:stretch>
+        </p:blipFill>
+        <p:spPr>
+          <a:xfrm>
+            <a:off x="1836715" y="1861456"/>
+            <a:ext cx="8286750" cy="3581400"/>
+          </a:xfrm>
+          <a:prstGeom prst="rect">
+            <a:avLst/>
+          </a:prstGeom>
+        </p:spPr>
+      </p:pic>
+    </p:spTree>
+    <p:extLst>
+      <p:ext uri="{BB962C8B-B14F-4D97-AF65-F5344CB8AC3E}">
+        <p14:creationId xmlns:p14="http://schemas.microsoft.com/office/powerpoint/2010/main" val="2075924166"/>
+      </p:ext>
+    </p:extLst>
+  </p:cSld>
+  <p:clrMapOvr>
+    <a:masterClrMapping/>
+  </p:clrMapOvr>
+</p:sld>
+</file>
+
+<file path=ppt/slides/slide25.xml><?xml version="1.0" encoding="utf-8"?>
+<p:sld xmlns:a="http://schemas.openxmlformats.org/drawingml/2006/main" xmlns:r="http://schemas.openxmlformats.org/officeDocument/2006/relationships" xmlns:p="http://schemas.openxmlformats.org/presentationml/2006/main">
+  <p:cSld>
+    <p:spTree>
+      <p:nvGrpSpPr>
+        <p:cNvPr id="1" name=""/>
+        <p:cNvGrpSpPr/>
+        <p:nvPr/>
+      </p:nvGrpSpPr>
+      <p:grpSpPr>
+        <a:xfrm>
+          <a:off x="0" y="0"/>
+          <a:ext cx="0" cy="0"/>
+          <a:chOff x="0" y="0"/>
+          <a:chExt cx="0" cy="0"/>
+        </a:xfrm>
+      </p:grpSpPr>
+      <p:sp>
+        <p:nvSpPr>
+          <p:cNvPr id="2" name="Title 1"/>
+          <p:cNvSpPr>
+            <a:spLocks noGrp="1"/>
+          </p:cNvSpPr>
+          <p:nvPr>
+            <p:ph type="title"/>
+          </p:nvPr>
+        </p:nvSpPr>
+        <p:spPr/>
+        <p:txBody>
+          <a:bodyPr/>
+          <a:lstStyle/>
+          <a:p>
+            <a:r>
+              <a:rPr lang="en-US" dirty="0" smtClean="0"/>
+              <a:t>“</a:t>
+            </a:r>
+            <a:r>
+              <a:rPr lang="en-US" dirty="0" err="1" smtClean="0"/>
+              <a:t>Manfaatnya</a:t>
+            </a:r>
+            <a:r>
+              <a:rPr lang="en-US" dirty="0" smtClean="0"/>
+              <a:t> </a:t>
+            </a:r>
+            <a:r>
+              <a:rPr lang="en-US" dirty="0" err="1" smtClean="0"/>
+              <a:t>apa</a:t>
+            </a:r>
+            <a:r>
+              <a:rPr lang="en-US" dirty="0" smtClean="0"/>
+              <a:t>, </a:t>
+            </a:r>
+            <a:r>
+              <a:rPr lang="en-US" dirty="0" err="1" smtClean="0"/>
+              <a:t>hasilnya</a:t>
+            </a:r>
+            <a:r>
+              <a:rPr lang="en-US" dirty="0" smtClean="0"/>
+              <a:t> </a:t>
+            </a:r>
+            <a:r>
+              <a:rPr lang="en-US" dirty="0" err="1" smtClean="0"/>
+              <a:t>gmn</a:t>
+            </a:r>
+            <a:r>
+              <a:rPr lang="en-US" dirty="0" smtClean="0"/>
+              <a:t> ?”</a:t>
+            </a:r>
+            <a:endParaRPr lang="en-US" dirty="0"/>
+          </a:p>
+        </p:txBody>
+      </p:sp>
+      <p:sp>
+        <p:nvSpPr>
+          <p:cNvPr id="3" name="Content Placeholder 2"/>
+          <p:cNvSpPr>
+            <a:spLocks noGrp="1"/>
+          </p:cNvSpPr>
+          <p:nvPr>
+            <p:ph idx="1"/>
+          </p:nvPr>
+        </p:nvSpPr>
+        <p:spPr>
+          <a:xfrm>
+            <a:off x="568719" y="2360612"/>
+            <a:ext cx="10687416" cy="3563669"/>
+          </a:xfrm>
+        </p:spPr>
+        <p:txBody>
+          <a:bodyPr>
+            <a:normAutofit/>
+          </a:bodyPr>
+          <a:lstStyle/>
+          <a:p>
+            <a:r>
+              <a:rPr lang="en-US" dirty="0" smtClean="0"/>
+              <a:t>Kita </a:t>
+            </a:r>
+            <a:r>
+              <a:rPr lang="en-US" dirty="0" err="1" smtClean="0"/>
+              <a:t>dapat</a:t>
+            </a:r>
+            <a:r>
+              <a:rPr lang="en-US" dirty="0" smtClean="0"/>
+              <a:t> </a:t>
+            </a:r>
+            <a:r>
+              <a:rPr lang="en-US" b="1" dirty="0" err="1" smtClean="0"/>
+              <a:t>menentukan</a:t>
+            </a:r>
+            <a:r>
+              <a:rPr lang="en-US" b="1" dirty="0" smtClean="0"/>
+              <a:t> </a:t>
+            </a:r>
+            <a:r>
+              <a:rPr lang="en-US" b="1" dirty="0" err="1" smtClean="0"/>
+              <a:t>berapa</a:t>
+            </a:r>
+            <a:r>
+              <a:rPr lang="en-US" b="1" dirty="0" smtClean="0"/>
+              <a:t> </a:t>
+            </a:r>
+            <a:r>
+              <a:rPr lang="en-US" b="1" dirty="0" err="1" smtClean="0"/>
+              <a:t>banyak</a:t>
+            </a:r>
+            <a:r>
+              <a:rPr lang="en-US" b="1" dirty="0" smtClean="0"/>
+              <a:t> </a:t>
+            </a:r>
+            <a:r>
+              <a:rPr lang="en-US" b="1" dirty="0" err="1" smtClean="0"/>
+              <a:t>jalur</a:t>
+            </a:r>
+            <a:r>
+              <a:rPr lang="en-US" b="1" dirty="0" smtClean="0"/>
+              <a:t> </a:t>
+            </a:r>
+            <a:r>
+              <a:rPr lang="en-US" dirty="0" smtClean="0"/>
+              <a:t>yang </a:t>
+            </a:r>
+            <a:r>
+              <a:rPr lang="en-US" dirty="0" err="1" smtClean="0"/>
+              <a:t>dapat</a:t>
+            </a:r>
+            <a:r>
+              <a:rPr lang="en-US" dirty="0" smtClean="0"/>
+              <a:t> </a:t>
+            </a:r>
+            <a:r>
+              <a:rPr lang="en-US" dirty="0" err="1" smtClean="0"/>
+              <a:t>diakses</a:t>
+            </a:r>
+            <a:r>
+              <a:rPr lang="en-US" dirty="0" smtClean="0"/>
+              <a:t> </a:t>
+            </a:r>
+            <a:r>
+              <a:rPr lang="en-US" dirty="0" err="1" smtClean="0"/>
+              <a:t>dan</a:t>
+            </a:r>
+            <a:r>
+              <a:rPr lang="en-US" dirty="0" smtClean="0"/>
+              <a:t> </a:t>
+            </a:r>
+            <a:r>
+              <a:rPr lang="en-US" b="1" dirty="0" err="1" smtClean="0"/>
+              <a:t>mencari</a:t>
+            </a:r>
+            <a:r>
+              <a:rPr lang="en-US" b="1" dirty="0" smtClean="0"/>
+              <a:t> </a:t>
+            </a:r>
+            <a:r>
+              <a:rPr lang="en-US" b="1" dirty="0" err="1" smtClean="0"/>
+              <a:t>jalur</a:t>
+            </a:r>
+            <a:r>
+              <a:rPr lang="en-US" b="1" dirty="0" smtClean="0"/>
+              <a:t> </a:t>
+            </a:r>
+            <a:r>
+              <a:rPr lang="en-US" b="1" dirty="0" err="1" smtClean="0"/>
+              <a:t>terpendek</a:t>
+            </a:r>
+            <a:endParaRPr lang="en-US" b="1" dirty="0" smtClean="0"/>
+          </a:p>
+          <a:p>
+            <a:pPr marL="0" indent="0">
+              <a:buNone/>
+            </a:pPr>
+            <a:r>
+              <a:rPr lang="en-US" dirty="0"/>
+              <a:t>	</a:t>
+            </a:r>
+            <a:r>
+              <a:rPr lang="en-US" dirty="0" err="1" smtClean="0"/>
+              <a:t>Contoh</a:t>
+            </a:r>
+            <a:r>
+              <a:rPr lang="en-US" dirty="0" smtClean="0"/>
+              <a:t> : </a:t>
+            </a:r>
+          </a:p>
+          <a:p>
+            <a:pPr marL="0" indent="0">
+              <a:buNone/>
+            </a:pPr>
+            <a:r>
+              <a:rPr lang="en-US" dirty="0"/>
+              <a:t>	</a:t>
+            </a:r>
+            <a:r>
+              <a:rPr lang="en-US" dirty="0" smtClean="0"/>
+              <a:t>Yang </a:t>
+            </a:r>
+            <a:r>
+              <a:rPr lang="en-US" dirty="0" err="1" smtClean="0"/>
+              <a:t>dijelasin</a:t>
+            </a:r>
+            <a:r>
+              <a:rPr lang="en-US" dirty="0" smtClean="0"/>
+              <a:t> Tommy </a:t>
+            </a:r>
+            <a:r>
+              <a:rPr lang="en-US" dirty="0" err="1" smtClean="0"/>
+              <a:t>tadi</a:t>
+            </a:r>
+            <a:r>
+              <a:rPr lang="en-US" dirty="0" smtClean="0"/>
+              <a:t> (</a:t>
+            </a:r>
+            <a:r>
+              <a:rPr lang="en-US" dirty="0" err="1" smtClean="0"/>
+              <a:t>Jalur</a:t>
+            </a:r>
+            <a:r>
+              <a:rPr lang="en-US" dirty="0" smtClean="0"/>
+              <a:t>/</a:t>
+            </a:r>
+            <a:r>
+              <a:rPr lang="en-US" dirty="0" err="1" smtClean="0"/>
+              <a:t>Sirkuit</a:t>
+            </a:r>
+            <a:r>
+              <a:rPr lang="en-US" dirty="0" smtClean="0"/>
+              <a:t>)</a:t>
+            </a:r>
+          </a:p>
+          <a:p>
+            <a:pPr marL="0" indent="0">
+              <a:buNone/>
+            </a:pPr>
+            <a:r>
+              <a:rPr lang="en-US" dirty="0"/>
+              <a:t>	</a:t>
+            </a:r>
+            <a:r>
+              <a:rPr lang="en-US" dirty="0" smtClean="0"/>
+              <a:t>Google Map (</a:t>
+            </a:r>
+            <a:r>
+              <a:rPr lang="en-US" dirty="0" err="1" smtClean="0"/>
+              <a:t>dapat</a:t>
+            </a:r>
+            <a:r>
+              <a:rPr lang="en-US" dirty="0" smtClean="0"/>
+              <a:t> </a:t>
+            </a:r>
+            <a:r>
+              <a:rPr lang="en-US" dirty="0" err="1" smtClean="0"/>
+              <a:t>memberikan</a:t>
+            </a:r>
+            <a:r>
+              <a:rPr lang="en-US" dirty="0" smtClean="0"/>
+              <a:t> alternative </a:t>
+            </a:r>
+            <a:r>
+              <a:rPr lang="en-US" dirty="0" err="1" smtClean="0"/>
+              <a:t>jalan</a:t>
+            </a:r>
+            <a:r>
+              <a:rPr lang="en-US" dirty="0" smtClean="0"/>
+              <a:t> </a:t>
+            </a:r>
+            <a:r>
+              <a:rPr lang="en-US" dirty="0" err="1" smtClean="0"/>
+              <a:t>lebih</a:t>
+            </a:r>
+            <a:r>
+              <a:rPr lang="en-US" dirty="0" smtClean="0"/>
+              <a:t> </a:t>
+            </a:r>
+            <a:r>
+              <a:rPr lang="en-US" dirty="0" err="1" smtClean="0"/>
+              <a:t>dari</a:t>
+            </a:r>
+            <a:r>
+              <a:rPr lang="en-US" dirty="0" smtClean="0"/>
+              <a:t> 1)</a:t>
+            </a:r>
+          </a:p>
+          <a:p>
+            <a:pPr marL="0" indent="0">
+              <a:buNone/>
+            </a:pPr>
+            <a:endParaRPr lang="en-US" dirty="0" smtClean="0"/>
+          </a:p>
+          <a:p>
+            <a:r>
+              <a:rPr lang="en-US" dirty="0" smtClean="0"/>
+              <a:t>Kita </a:t>
+            </a:r>
+            <a:r>
+              <a:rPr lang="en-US" dirty="0" err="1" smtClean="0"/>
+              <a:t>dapat</a:t>
+            </a:r>
+            <a:r>
+              <a:rPr lang="en-US" dirty="0" smtClean="0"/>
+              <a:t> </a:t>
+            </a:r>
+            <a:r>
+              <a:rPr lang="en-US" b="1" dirty="0" err="1" smtClean="0"/>
+              <a:t>menambahkan</a:t>
+            </a:r>
+            <a:r>
+              <a:rPr lang="en-US" b="1" dirty="0" smtClean="0"/>
+              <a:t> </a:t>
+            </a:r>
+            <a:r>
+              <a:rPr lang="en-US" b="1" dirty="0" err="1" smtClean="0"/>
+              <a:t>syarat</a:t>
+            </a:r>
+            <a:r>
+              <a:rPr lang="en-US" b="1" dirty="0" smtClean="0"/>
+              <a:t> </a:t>
+            </a:r>
+            <a:r>
+              <a:rPr lang="en-US" dirty="0" err="1" smtClean="0"/>
+              <a:t>pada</a:t>
+            </a:r>
+            <a:r>
+              <a:rPr lang="en-US" dirty="0" smtClean="0"/>
+              <a:t> </a:t>
+            </a:r>
+            <a:r>
+              <a:rPr lang="en-US" dirty="0" err="1" smtClean="0"/>
+              <a:t>jalur</a:t>
+            </a:r>
+            <a:r>
+              <a:rPr lang="en-US" dirty="0" smtClean="0"/>
+              <a:t> yang </a:t>
+            </a:r>
+            <a:r>
+              <a:rPr lang="en-US" dirty="0" err="1" smtClean="0"/>
+              <a:t>hanya</a:t>
+            </a:r>
+            <a:r>
+              <a:rPr lang="en-US" dirty="0" smtClean="0"/>
+              <a:t> </a:t>
+            </a:r>
+            <a:r>
+              <a:rPr lang="en-US" dirty="0" err="1" smtClean="0"/>
+              <a:t>ingin</a:t>
+            </a:r>
+            <a:r>
+              <a:rPr lang="en-US" dirty="0" smtClean="0"/>
+              <a:t> </a:t>
+            </a:r>
+            <a:r>
+              <a:rPr lang="en-US" dirty="0" err="1" smtClean="0"/>
+              <a:t>kita</a:t>
+            </a:r>
+            <a:r>
+              <a:rPr lang="en-US" dirty="0" smtClean="0"/>
+              <a:t> </a:t>
+            </a:r>
+            <a:r>
+              <a:rPr lang="en-US" dirty="0" err="1" smtClean="0"/>
+              <a:t>akses</a:t>
+            </a:r>
+            <a:endParaRPr lang="en-US" dirty="0" smtClean="0"/>
+          </a:p>
+          <a:p>
+            <a:pPr marL="0" indent="0">
+              <a:buNone/>
+            </a:pPr>
+            <a:r>
+              <a:rPr lang="en-US" dirty="0"/>
+              <a:t>	</a:t>
+            </a:r>
+            <a:r>
+              <a:rPr lang="en-US" dirty="0" err="1" smtClean="0"/>
+              <a:t>Contoh</a:t>
+            </a:r>
+            <a:r>
+              <a:rPr lang="en-US" dirty="0" smtClean="0"/>
+              <a:t> :</a:t>
+            </a:r>
+          </a:p>
+          <a:p>
+            <a:pPr marL="0" indent="0">
+              <a:buNone/>
+            </a:pPr>
+            <a:r>
+              <a:rPr lang="en-US" dirty="0"/>
+              <a:t>	</a:t>
+            </a:r>
+            <a:r>
+              <a:rPr lang="en-US" dirty="0" smtClean="0"/>
+              <a:t>Yang </a:t>
+            </a:r>
+            <a:r>
+              <a:rPr lang="en-US" dirty="0" err="1" smtClean="0"/>
+              <a:t>dijelasin</a:t>
+            </a:r>
+            <a:r>
+              <a:rPr lang="en-US" dirty="0" smtClean="0"/>
+              <a:t> Tommy </a:t>
+            </a:r>
+            <a:r>
+              <a:rPr lang="en-US" dirty="0" err="1" smtClean="0"/>
+              <a:t>tadi</a:t>
+            </a:r>
+            <a:r>
+              <a:rPr lang="en-US" dirty="0" smtClean="0"/>
+              <a:t> (</a:t>
+            </a:r>
+            <a:r>
+              <a:rPr lang="en-US" dirty="0" err="1" smtClean="0"/>
+              <a:t>Lebah</a:t>
+            </a:r>
+            <a:r>
+              <a:rPr lang="en-US" dirty="0" smtClean="0"/>
+              <a:t>)</a:t>
+            </a:r>
+          </a:p>
+        </p:txBody>
+      </p:sp>
+      <p:sp>
+        <p:nvSpPr>
+          <p:cNvPr id="4" name="Content Placeholder 3"/>
+          <p:cNvSpPr>
+            <a:spLocks noGrp="1"/>
+          </p:cNvSpPr>
+          <p:nvPr>
+            <p:ph sz="quarter" idx="11"/>
+          </p:nvPr>
+        </p:nvSpPr>
+        <p:spPr/>
+        <p:txBody>
+          <a:bodyPr/>
+          <a:lstStyle/>
+          <a:p>
+            <a:r>
+              <a:rPr lang="en-US" dirty="0" smtClean="0"/>
+              <a:t>Salah </a:t>
+            </a:r>
+            <a:r>
+              <a:rPr lang="en-US" dirty="0" err="1" smtClean="0"/>
+              <a:t>satu</a:t>
+            </a:r>
+            <a:r>
+              <a:rPr lang="en-US" dirty="0" smtClean="0"/>
+              <a:t> </a:t>
+            </a:r>
+            <a:r>
+              <a:rPr lang="en-US" dirty="0" err="1" smtClean="0"/>
+              <a:t>manfaat</a:t>
+            </a:r>
+            <a:r>
+              <a:rPr lang="en-US" dirty="0" smtClean="0"/>
+              <a:t> :</a:t>
+            </a:r>
+            <a:endParaRPr lang="en-US" dirty="0"/>
+          </a:p>
+        </p:txBody>
+      </p:sp>
+    </p:spTree>
+    <p:extLst>
+      <p:ext uri="{BB962C8B-B14F-4D97-AF65-F5344CB8AC3E}">
+        <p14:creationId xmlns:p14="http://schemas.microsoft.com/office/powerpoint/2010/main" val="2757027824"/>
+      </p:ext>
+    </p:extLst>
+  </p:cSld>
+  <p:clrMapOvr>
+    <a:masterClrMapping/>
+  </p:clrMapOvr>
+</p:sld>
+</file>
+
+<file path=ppt/slides/slide26.xml><?xml version="1.0" encoding="utf-8"?>
+<p:sld xmlns:a="http://schemas.openxmlformats.org/drawingml/2006/main" xmlns:r="http://schemas.openxmlformats.org/officeDocument/2006/relationships" xmlns:p="http://schemas.openxmlformats.org/presentationml/2006/main">
+  <p:cSld>
+    <p:spTree>
+      <p:nvGrpSpPr>
+        <p:cNvPr id="1" name=""/>
+        <p:cNvGrpSpPr/>
+        <p:nvPr/>
+      </p:nvGrpSpPr>
+      <p:grpSpPr>
+        <a:xfrm>
+          <a:off x="0" y="0"/>
+          <a:ext cx="0" cy="0"/>
+          <a:chOff x="0" y="0"/>
+          <a:chExt cx="0" cy="0"/>
+        </a:xfrm>
+      </p:grpSpPr>
+      <p:sp>
+        <p:nvSpPr>
+          <p:cNvPr id="3" name="TextBox 2"/>
+          <p:cNvSpPr txBox="1"/>
+          <p:nvPr/>
+        </p:nvSpPr>
+        <p:spPr>
+          <a:xfrm>
+            <a:off x="1249251" y="1159099"/>
+            <a:ext cx="3979572" cy="978794"/>
+          </a:xfrm>
+          <a:prstGeom prst="rect">
+            <a:avLst/>
+          </a:prstGeom>
+        </p:spPr>
+        <p:txBody>
+          <a:bodyPr vert="horz" wrap="square" lIns="91440" tIns="45720" rIns="91440" bIns="45720" rtlCol="0">
+            <a:normAutofit/>
+          </a:bodyPr>
+          <a:lstStyle/>
+          <a:p>
+            <a:pPr marL="0" indent="0">
+              <a:buFontTx/>
+              <a:buNone/>
+            </a:pPr>
+            <a:r>
+              <a:rPr lang="en-US" sz="5400" b="0" dirty="0" smtClean="0">
+                <a:solidFill>
+                  <a:schemeClr val="bg1"/>
+                </a:solidFill>
+                <a:latin typeface="Segoe UI Semibold"/>
+                <a:cs typeface="Segoe UI Semibold"/>
+              </a:rPr>
+              <a:t>THANKS…</a:t>
+            </a:r>
+          </a:p>
+        </p:txBody>
+      </p:sp>
+      <p:pic>
+        <p:nvPicPr>
+          <p:cNvPr id="76" name="Picture 75"/>
+          <p:cNvPicPr>
+            <a:picLocks noChangeAspect="1"/>
+          </p:cNvPicPr>
+          <p:nvPr/>
+        </p:nvPicPr>
+        <p:blipFill>
+          <a:blip r:embed="rId2" cstate="print">
+            <a:extLst>
+              <a:ext uri="{28A0092B-C50C-407E-A947-70E740481C1C}">
+                <a14:useLocalDpi xmlns:a14="http://schemas.microsoft.com/office/drawing/2010/main" val="0"/>
+              </a:ext>
+            </a:extLst>
+          </a:blip>
+          <a:stretch>
+            <a:fillRect/>
+          </a:stretch>
+        </p:blipFill>
+        <p:spPr>
+          <a:xfrm>
+            <a:off x="5834744" y="3428601"/>
+            <a:ext cx="5052943" cy="1727423"/>
+          </a:xfrm>
+          <a:prstGeom prst="rect">
+            <a:avLst/>
+          </a:prstGeom>
+        </p:spPr>
+      </p:pic>
+    </p:spTree>
+    <p:extLst>
+      <p:ext uri="{BB962C8B-B14F-4D97-AF65-F5344CB8AC3E}">
+        <p14:creationId xmlns:p14="http://schemas.microsoft.com/office/powerpoint/2010/main" val="851342296"/>
       </p:ext>
     </p:extLst>
   </p:cSld>
@@ -7771,9 +11575,668 @@
   <p:timing>
     <p:tnLst>
       <p:par>
-        <p:cTn id="1" dur="indefinite" restart="never" nodeType="tmRoot"/>
+        <p:cTn id="1" dur="indefinite" restart="never" nodeType="tmRoot">
+          <p:childTnLst>
+            <p:seq concurrent="1" nextAc="seek">
+              <p:cTn id="2" dur="indefinite" nodeType="mainSeq">
+                <p:childTnLst>
+                  <p:par>
+                    <p:cTn id="3" fill="hold">
+                      <p:stCondLst>
+                        <p:cond delay="indefinite"/>
+                      </p:stCondLst>
+                      <p:childTnLst>
+                        <p:par>
+                          <p:cTn id="4" fill="hold">
+                            <p:stCondLst>
+                              <p:cond delay="0"/>
+                            </p:stCondLst>
+                            <p:childTnLst>
+                              <p:par>
+                                <p:cTn id="5" presetID="22" presetClass="entr" presetSubtype="8" fill="hold" nodeType="clickEffect">
+                                  <p:stCondLst>
+                                    <p:cond delay="0"/>
+                                  </p:stCondLst>
+                                  <p:childTnLst>
+                                    <p:set>
+                                      <p:cBhvr>
+                                        <p:cTn id="6" dur="1" fill="hold">
+                                          <p:stCondLst>
+                                            <p:cond delay="0"/>
+                                          </p:stCondLst>
+                                        </p:cTn>
+                                        <p:tgtEl>
+                                          <p:spTgt spid="29"/>
+                                        </p:tgtEl>
+                                        <p:attrNameLst>
+                                          <p:attrName>style.visibility</p:attrName>
+                                        </p:attrNameLst>
+                                      </p:cBhvr>
+                                      <p:to>
+                                        <p:strVal val="visible"/>
+                                      </p:to>
+                                    </p:set>
+                                    <p:animEffect transition="in" filter="wipe(left)">
+                                      <p:cBhvr>
+                                        <p:cTn id="7" dur="500"/>
+                                        <p:tgtEl>
+                                          <p:spTgt spid="29"/>
+                                        </p:tgtEl>
+                                      </p:cBhvr>
+                                    </p:animEffect>
+                                  </p:childTnLst>
+                                </p:cTn>
+                              </p:par>
+                            </p:childTnLst>
+                          </p:cTn>
+                        </p:par>
+                        <p:par>
+                          <p:cTn id="8" fill="hold">
+                            <p:stCondLst>
+                              <p:cond delay="500"/>
+                            </p:stCondLst>
+                            <p:childTnLst>
+                              <p:par>
+                                <p:cTn id="9" presetID="1" presetClass="entr" presetSubtype="0" fill="hold" nodeType="afterEffect">
+                                  <p:stCondLst>
+                                    <p:cond delay="0"/>
+                                  </p:stCondLst>
+                                  <p:childTnLst>
+                                    <p:set>
+                                      <p:cBhvr>
+                                        <p:cTn id="10" dur="1" fill="hold">
+                                          <p:stCondLst>
+                                            <p:cond delay="0"/>
+                                          </p:stCondLst>
+                                        </p:cTn>
+                                        <p:tgtEl>
+                                          <p:spTgt spid="23"/>
+                                        </p:tgtEl>
+                                        <p:attrNameLst>
+                                          <p:attrName>style.visibility</p:attrName>
+                                        </p:attrNameLst>
+                                      </p:cBhvr>
+                                      <p:to>
+                                        <p:strVal val="visible"/>
+                                      </p:to>
+                                    </p:set>
+                                  </p:childTnLst>
+                                </p:cTn>
+                              </p:par>
+                            </p:childTnLst>
+                          </p:cTn>
+                        </p:par>
+                      </p:childTnLst>
+                    </p:cTn>
+                  </p:par>
+                  <p:par>
+                    <p:cTn id="11" fill="hold">
+                      <p:stCondLst>
+                        <p:cond delay="indefinite"/>
+                      </p:stCondLst>
+                      <p:childTnLst>
+                        <p:par>
+                          <p:cTn id="12" fill="hold">
+                            <p:stCondLst>
+                              <p:cond delay="0"/>
+                            </p:stCondLst>
+                            <p:childTnLst>
+                              <p:par>
+                                <p:cTn id="13" presetID="22" presetClass="entr" presetSubtype="8" fill="hold" nodeType="clickEffect">
+                                  <p:stCondLst>
+                                    <p:cond delay="0"/>
+                                  </p:stCondLst>
+                                  <p:childTnLst>
+                                    <p:set>
+                                      <p:cBhvr>
+                                        <p:cTn id="14" dur="1" fill="hold">
+                                          <p:stCondLst>
+                                            <p:cond delay="0"/>
+                                          </p:stCondLst>
+                                        </p:cTn>
+                                        <p:tgtEl>
+                                          <p:spTgt spid="51"/>
+                                        </p:tgtEl>
+                                        <p:attrNameLst>
+                                          <p:attrName>style.visibility</p:attrName>
+                                        </p:attrNameLst>
+                                      </p:cBhvr>
+                                      <p:to>
+                                        <p:strVal val="visible"/>
+                                      </p:to>
+                                    </p:set>
+                                    <p:animEffect transition="in" filter="wipe(left)">
+                                      <p:cBhvr>
+                                        <p:cTn id="15" dur="500"/>
+                                        <p:tgtEl>
+                                          <p:spTgt spid="51"/>
+                                        </p:tgtEl>
+                                      </p:cBhvr>
+                                    </p:animEffect>
+                                  </p:childTnLst>
+                                </p:cTn>
+                              </p:par>
+                            </p:childTnLst>
+                          </p:cTn>
+                        </p:par>
+                        <p:par>
+                          <p:cTn id="16" fill="hold">
+                            <p:stCondLst>
+                              <p:cond delay="500"/>
+                            </p:stCondLst>
+                            <p:childTnLst>
+                              <p:par>
+                                <p:cTn id="17" presetID="1" presetClass="entr" presetSubtype="0" fill="hold" nodeType="afterEffect">
+                                  <p:stCondLst>
+                                    <p:cond delay="0"/>
+                                  </p:stCondLst>
+                                  <p:childTnLst>
+                                    <p:set>
+                                      <p:cBhvr>
+                                        <p:cTn id="18" dur="1" fill="hold">
+                                          <p:stCondLst>
+                                            <p:cond delay="0"/>
+                                          </p:stCondLst>
+                                        </p:cTn>
+                                        <p:tgtEl>
+                                          <p:spTgt spid="24"/>
+                                        </p:tgtEl>
+                                        <p:attrNameLst>
+                                          <p:attrName>style.visibility</p:attrName>
+                                        </p:attrNameLst>
+                                      </p:cBhvr>
+                                      <p:to>
+                                        <p:strVal val="visible"/>
+                                      </p:to>
+                                    </p:set>
+                                  </p:childTnLst>
+                                </p:cTn>
+                              </p:par>
+                            </p:childTnLst>
+                          </p:cTn>
+                        </p:par>
+                      </p:childTnLst>
+                    </p:cTn>
+                  </p:par>
+                  <p:par>
+                    <p:cTn id="19" fill="hold">
+                      <p:stCondLst>
+                        <p:cond delay="indefinite"/>
+                      </p:stCondLst>
+                      <p:childTnLst>
+                        <p:par>
+                          <p:cTn id="20" fill="hold">
+                            <p:stCondLst>
+                              <p:cond delay="0"/>
+                            </p:stCondLst>
+                            <p:childTnLst>
+                              <p:par>
+                                <p:cTn id="21" presetID="22" presetClass="entr" presetSubtype="8" fill="hold" nodeType="clickEffect">
+                                  <p:stCondLst>
+                                    <p:cond delay="0"/>
+                                  </p:stCondLst>
+                                  <p:childTnLst>
+                                    <p:set>
+                                      <p:cBhvr>
+                                        <p:cTn id="22" dur="1" fill="hold">
+                                          <p:stCondLst>
+                                            <p:cond delay="0"/>
+                                          </p:stCondLst>
+                                        </p:cTn>
+                                        <p:tgtEl>
+                                          <p:spTgt spid="55"/>
+                                        </p:tgtEl>
+                                        <p:attrNameLst>
+                                          <p:attrName>style.visibility</p:attrName>
+                                        </p:attrNameLst>
+                                      </p:cBhvr>
+                                      <p:to>
+                                        <p:strVal val="visible"/>
+                                      </p:to>
+                                    </p:set>
+                                    <p:animEffect transition="in" filter="wipe(left)">
+                                      <p:cBhvr>
+                                        <p:cTn id="23" dur="500"/>
+                                        <p:tgtEl>
+                                          <p:spTgt spid="55"/>
+                                        </p:tgtEl>
+                                      </p:cBhvr>
+                                    </p:animEffect>
+                                  </p:childTnLst>
+                                </p:cTn>
+                              </p:par>
+                            </p:childTnLst>
+                          </p:cTn>
+                        </p:par>
+                        <p:par>
+                          <p:cTn id="24" fill="hold">
+                            <p:stCondLst>
+                              <p:cond delay="500"/>
+                            </p:stCondLst>
+                            <p:childTnLst>
+                              <p:par>
+                                <p:cTn id="25" presetID="1" presetClass="entr" presetSubtype="0" fill="hold" nodeType="afterEffect">
+                                  <p:stCondLst>
+                                    <p:cond delay="0"/>
+                                  </p:stCondLst>
+                                  <p:childTnLst>
+                                    <p:set>
+                                      <p:cBhvr>
+                                        <p:cTn id="26" dur="1" fill="hold">
+                                          <p:stCondLst>
+                                            <p:cond delay="0"/>
+                                          </p:stCondLst>
+                                        </p:cTn>
+                                        <p:tgtEl>
+                                          <p:spTgt spid="30"/>
+                                        </p:tgtEl>
+                                        <p:attrNameLst>
+                                          <p:attrName>style.visibility</p:attrName>
+                                        </p:attrNameLst>
+                                      </p:cBhvr>
+                                      <p:to>
+                                        <p:strVal val="visible"/>
+                                      </p:to>
+                                    </p:set>
+                                  </p:childTnLst>
+                                </p:cTn>
+                              </p:par>
+                            </p:childTnLst>
+                          </p:cTn>
+                        </p:par>
+                        <p:par>
+                          <p:cTn id="27" fill="hold">
+                            <p:stCondLst>
+                              <p:cond delay="500"/>
+                            </p:stCondLst>
+                            <p:childTnLst>
+                              <p:par>
+                                <p:cTn id="28" presetID="1" presetClass="entr" presetSubtype="0" fill="hold" grpId="0" nodeType="afterEffect">
+                                  <p:stCondLst>
+                                    <p:cond delay="0"/>
+                                  </p:stCondLst>
+                                  <p:childTnLst>
+                                    <p:set>
+                                      <p:cBhvr>
+                                        <p:cTn id="29" dur="1" fill="hold">
+                                          <p:stCondLst>
+                                            <p:cond delay="0"/>
+                                          </p:stCondLst>
+                                        </p:cTn>
+                                        <p:tgtEl>
+                                          <p:spTgt spid="31"/>
+                                        </p:tgtEl>
+                                        <p:attrNameLst>
+                                          <p:attrName>style.visibility</p:attrName>
+                                        </p:attrNameLst>
+                                      </p:cBhvr>
+                                      <p:to>
+                                        <p:strVal val="visible"/>
+                                      </p:to>
+                                    </p:set>
+                                  </p:childTnLst>
+                                </p:cTn>
+                              </p:par>
+                            </p:childTnLst>
+                          </p:cTn>
+                        </p:par>
+                        <p:par>
+                          <p:cTn id="30" fill="hold">
+                            <p:stCondLst>
+                              <p:cond delay="500"/>
+                            </p:stCondLst>
+                            <p:childTnLst>
+                              <p:par>
+                                <p:cTn id="31" presetID="1" presetClass="entr" presetSubtype="0" fill="hold" nodeType="afterEffect">
+                                  <p:stCondLst>
+                                    <p:cond delay="0"/>
+                                  </p:stCondLst>
+                                  <p:childTnLst>
+                                    <p:set>
+                                      <p:cBhvr>
+                                        <p:cTn id="32" dur="1" fill="hold">
+                                          <p:stCondLst>
+                                            <p:cond delay="0"/>
+                                          </p:stCondLst>
+                                        </p:cTn>
+                                        <p:tgtEl>
+                                          <p:spTgt spid="32"/>
+                                        </p:tgtEl>
+                                        <p:attrNameLst>
+                                          <p:attrName>style.visibility</p:attrName>
+                                        </p:attrNameLst>
+                                      </p:cBhvr>
+                                      <p:to>
+                                        <p:strVal val="visible"/>
+                                      </p:to>
+                                    </p:set>
+                                  </p:childTnLst>
+                                </p:cTn>
+                              </p:par>
+                            </p:childTnLst>
+                          </p:cTn>
+                        </p:par>
+                        <p:par>
+                          <p:cTn id="33" fill="hold">
+                            <p:stCondLst>
+                              <p:cond delay="500"/>
+                            </p:stCondLst>
+                            <p:childTnLst>
+                              <p:par>
+                                <p:cTn id="34" presetID="1" presetClass="entr" presetSubtype="0" fill="hold" nodeType="afterEffect">
+                                  <p:stCondLst>
+                                    <p:cond delay="0"/>
+                                  </p:stCondLst>
+                                  <p:childTnLst>
+                                    <p:set>
+                                      <p:cBhvr>
+                                        <p:cTn id="35" dur="1" fill="hold">
+                                          <p:stCondLst>
+                                            <p:cond delay="0"/>
+                                          </p:stCondLst>
+                                        </p:cTn>
+                                        <p:tgtEl>
+                                          <p:spTgt spid="36"/>
+                                        </p:tgtEl>
+                                        <p:attrNameLst>
+                                          <p:attrName>style.visibility</p:attrName>
+                                        </p:attrNameLst>
+                                      </p:cBhvr>
+                                      <p:to>
+                                        <p:strVal val="visible"/>
+                                      </p:to>
+                                    </p:set>
+                                  </p:childTnLst>
+                                </p:cTn>
+                              </p:par>
+                            </p:childTnLst>
+                          </p:cTn>
+                        </p:par>
+                        <p:par>
+                          <p:cTn id="36" fill="hold">
+                            <p:stCondLst>
+                              <p:cond delay="500"/>
+                            </p:stCondLst>
+                            <p:childTnLst>
+                              <p:par>
+                                <p:cTn id="37" presetID="1" presetClass="entr" presetSubtype="0" fill="hold" nodeType="afterEffect">
+                                  <p:stCondLst>
+                                    <p:cond delay="0"/>
+                                  </p:stCondLst>
+                                  <p:childTnLst>
+                                    <p:set>
+                                      <p:cBhvr>
+                                        <p:cTn id="38" dur="1" fill="hold">
+                                          <p:stCondLst>
+                                            <p:cond delay="0"/>
+                                          </p:stCondLst>
+                                        </p:cTn>
+                                        <p:tgtEl>
+                                          <p:spTgt spid="35"/>
+                                        </p:tgtEl>
+                                        <p:attrNameLst>
+                                          <p:attrName>style.visibility</p:attrName>
+                                        </p:attrNameLst>
+                                      </p:cBhvr>
+                                      <p:to>
+                                        <p:strVal val="visible"/>
+                                      </p:to>
+                                    </p:set>
+                                  </p:childTnLst>
+                                </p:cTn>
+                              </p:par>
+                            </p:childTnLst>
+                          </p:cTn>
+                        </p:par>
+                      </p:childTnLst>
+                    </p:cTn>
+                  </p:par>
+                  <p:par>
+                    <p:cTn id="39" fill="hold">
+                      <p:stCondLst>
+                        <p:cond delay="indefinite"/>
+                      </p:stCondLst>
+                      <p:childTnLst>
+                        <p:par>
+                          <p:cTn id="40" fill="hold">
+                            <p:stCondLst>
+                              <p:cond delay="0"/>
+                            </p:stCondLst>
+                            <p:childTnLst>
+                              <p:par>
+                                <p:cTn id="41" presetID="22" presetClass="entr" presetSubtype="8" fill="hold" nodeType="clickEffect">
+                                  <p:stCondLst>
+                                    <p:cond delay="0"/>
+                                  </p:stCondLst>
+                                  <p:childTnLst>
+                                    <p:set>
+                                      <p:cBhvr>
+                                        <p:cTn id="42" dur="1" fill="hold">
+                                          <p:stCondLst>
+                                            <p:cond delay="0"/>
+                                          </p:stCondLst>
+                                        </p:cTn>
+                                        <p:tgtEl>
+                                          <p:spTgt spid="40"/>
+                                        </p:tgtEl>
+                                        <p:attrNameLst>
+                                          <p:attrName>style.visibility</p:attrName>
+                                        </p:attrNameLst>
+                                      </p:cBhvr>
+                                      <p:to>
+                                        <p:strVal val="visible"/>
+                                      </p:to>
+                                    </p:set>
+                                    <p:animEffect transition="in" filter="wipe(left)">
+                                      <p:cBhvr>
+                                        <p:cTn id="43" dur="500"/>
+                                        <p:tgtEl>
+                                          <p:spTgt spid="40"/>
+                                        </p:tgtEl>
+                                      </p:cBhvr>
+                                    </p:animEffect>
+                                  </p:childTnLst>
+                                </p:cTn>
+                              </p:par>
+                            </p:childTnLst>
+                          </p:cTn>
+                        </p:par>
+                        <p:par>
+                          <p:cTn id="44" fill="hold">
+                            <p:stCondLst>
+                              <p:cond delay="500"/>
+                            </p:stCondLst>
+                            <p:childTnLst>
+                              <p:par>
+                                <p:cTn id="45" presetID="22" presetClass="entr" presetSubtype="2" fill="hold" nodeType="afterEffect">
+                                  <p:stCondLst>
+                                    <p:cond delay="0"/>
+                                  </p:stCondLst>
+                                  <p:childTnLst>
+                                    <p:set>
+                                      <p:cBhvr>
+                                        <p:cTn id="46" dur="1" fill="hold">
+                                          <p:stCondLst>
+                                            <p:cond delay="0"/>
+                                          </p:stCondLst>
+                                        </p:cTn>
+                                        <p:tgtEl>
+                                          <p:spTgt spid="48"/>
+                                        </p:tgtEl>
+                                        <p:attrNameLst>
+                                          <p:attrName>style.visibility</p:attrName>
+                                        </p:attrNameLst>
+                                      </p:cBhvr>
+                                      <p:to>
+                                        <p:strVal val="visible"/>
+                                      </p:to>
+                                    </p:set>
+                                    <p:animEffect transition="in" filter="wipe(right)">
+                                      <p:cBhvr>
+                                        <p:cTn id="47" dur="500"/>
+                                        <p:tgtEl>
+                                          <p:spTgt spid="48"/>
+                                        </p:tgtEl>
+                                      </p:cBhvr>
+                                    </p:animEffect>
+                                  </p:childTnLst>
+                                </p:cTn>
+                              </p:par>
+                            </p:childTnLst>
+                          </p:cTn>
+                        </p:par>
+                        <p:par>
+                          <p:cTn id="48" fill="hold">
+                            <p:stCondLst>
+                              <p:cond delay="1000"/>
+                            </p:stCondLst>
+                            <p:childTnLst>
+                              <p:par>
+                                <p:cTn id="49" presetID="1" presetClass="entr" presetSubtype="0" fill="hold" nodeType="afterEffect">
+                                  <p:stCondLst>
+                                    <p:cond delay="0"/>
+                                  </p:stCondLst>
+                                  <p:childTnLst>
+                                    <p:set>
+                                      <p:cBhvr>
+                                        <p:cTn id="50" dur="1" fill="hold">
+                                          <p:stCondLst>
+                                            <p:cond delay="0"/>
+                                          </p:stCondLst>
+                                        </p:cTn>
+                                        <p:tgtEl>
+                                          <p:spTgt spid="25"/>
+                                        </p:tgtEl>
+                                        <p:attrNameLst>
+                                          <p:attrName>style.visibility</p:attrName>
+                                        </p:attrNameLst>
+                                      </p:cBhvr>
+                                      <p:to>
+                                        <p:strVal val="visible"/>
+                                      </p:to>
+                                    </p:set>
+                                  </p:childTnLst>
+                                </p:cTn>
+                              </p:par>
+                            </p:childTnLst>
+                          </p:cTn>
+                        </p:par>
+                      </p:childTnLst>
+                    </p:cTn>
+                  </p:par>
+                  <p:par>
+                    <p:cTn id="51" fill="hold">
+                      <p:stCondLst>
+                        <p:cond delay="indefinite"/>
+                      </p:stCondLst>
+                      <p:childTnLst>
+                        <p:par>
+                          <p:cTn id="52" fill="hold">
+                            <p:stCondLst>
+                              <p:cond delay="0"/>
+                            </p:stCondLst>
+                            <p:childTnLst>
+                              <p:par>
+                                <p:cTn id="53" presetID="22" presetClass="entr" presetSubtype="8" fill="hold" nodeType="clickEffect">
+                                  <p:stCondLst>
+                                    <p:cond delay="0"/>
+                                  </p:stCondLst>
+                                  <p:childTnLst>
+                                    <p:set>
+                                      <p:cBhvr>
+                                        <p:cTn id="54" dur="1" fill="hold">
+                                          <p:stCondLst>
+                                            <p:cond delay="0"/>
+                                          </p:stCondLst>
+                                        </p:cTn>
+                                        <p:tgtEl>
+                                          <p:spTgt spid="42"/>
+                                        </p:tgtEl>
+                                        <p:attrNameLst>
+                                          <p:attrName>style.visibility</p:attrName>
+                                        </p:attrNameLst>
+                                      </p:cBhvr>
+                                      <p:to>
+                                        <p:strVal val="visible"/>
+                                      </p:to>
+                                    </p:set>
+                                    <p:animEffect transition="in" filter="wipe(left)">
+                                      <p:cBhvr>
+                                        <p:cTn id="55" dur="500"/>
+                                        <p:tgtEl>
+                                          <p:spTgt spid="42"/>
+                                        </p:tgtEl>
+                                      </p:cBhvr>
+                                    </p:animEffect>
+                                  </p:childTnLst>
+                                </p:cTn>
+                              </p:par>
+                            </p:childTnLst>
+                          </p:cTn>
+                        </p:par>
+                        <p:par>
+                          <p:cTn id="56" fill="hold">
+                            <p:stCondLst>
+                              <p:cond delay="500"/>
+                            </p:stCondLst>
+                            <p:childTnLst>
+                              <p:par>
+                                <p:cTn id="57" presetID="1" presetClass="entr" presetSubtype="0" fill="hold" nodeType="afterEffect">
+                                  <p:stCondLst>
+                                    <p:cond delay="0"/>
+                                  </p:stCondLst>
+                                  <p:childTnLst>
+                                    <p:set>
+                                      <p:cBhvr>
+                                        <p:cTn id="58" dur="1" fill="hold">
+                                          <p:stCondLst>
+                                            <p:cond delay="0"/>
+                                          </p:stCondLst>
+                                        </p:cTn>
+                                        <p:tgtEl>
+                                          <p:spTgt spid="26"/>
+                                        </p:tgtEl>
+                                        <p:attrNameLst>
+                                          <p:attrName>style.visibility</p:attrName>
+                                        </p:attrNameLst>
+                                      </p:cBhvr>
+                                      <p:to>
+                                        <p:strVal val="visible"/>
+                                      </p:to>
+                                    </p:set>
+                                  </p:childTnLst>
+                                </p:cTn>
+                              </p:par>
+                            </p:childTnLst>
+                          </p:cTn>
+                        </p:par>
+                      </p:childTnLst>
+                    </p:cTn>
+                  </p:par>
+                </p:childTnLst>
+              </p:cTn>
+              <p:prevCondLst>
+                <p:cond evt="onPrev" delay="0">
+                  <p:tgtEl>
+                    <p:sldTgt/>
+                  </p:tgtEl>
+                </p:cond>
+              </p:prevCondLst>
+              <p:nextCondLst>
+                <p:cond evt="onNext" delay="0">
+                  <p:tgtEl>
+                    <p:sldTgt/>
+                  </p:tgtEl>
+                </p:cond>
+              </p:nextCondLst>
+            </p:seq>
+          </p:childTnLst>
+        </p:cTn>
       </p:par>
     </p:tnLst>
+    <p:bldLst>
+      <p:bldP spid="31" grpId="0" animBg="1"/>
+    </p:bldLst>
   </p:timing>
 </p:sld>
 </file>
@@ -8601,9 +13064,207 @@
   <p:timing>
     <p:tnLst>
       <p:par>
-        <p:cTn id="1" dur="indefinite" restart="never" nodeType="tmRoot"/>
+        <p:cTn id="1" dur="indefinite" restart="never" nodeType="tmRoot">
+          <p:childTnLst>
+            <p:seq concurrent="1" nextAc="seek">
+              <p:cTn id="2" dur="indefinite" nodeType="mainSeq">
+                <p:childTnLst>
+                  <p:par>
+                    <p:cTn id="3" fill="hold">
+                      <p:stCondLst>
+                        <p:cond delay="indefinite"/>
+                      </p:stCondLst>
+                      <p:childTnLst>
+                        <p:par>
+                          <p:cTn id="4" fill="hold">
+                            <p:stCondLst>
+                              <p:cond delay="0"/>
+                            </p:stCondLst>
+                            <p:childTnLst>
+                              <p:par>
+                                <p:cTn id="5" presetID="1" presetClass="entr" presetSubtype="0" fill="hold" nodeType="clickEffect">
+                                  <p:stCondLst>
+                                    <p:cond delay="0"/>
+                                  </p:stCondLst>
+                                  <p:childTnLst>
+                                    <p:set>
+                                      <p:cBhvr>
+                                        <p:cTn id="6" dur="1" fill="hold">
+                                          <p:stCondLst>
+                                            <p:cond delay="0"/>
+                                          </p:stCondLst>
+                                        </p:cTn>
+                                        <p:tgtEl>
+                                          <p:spTgt spid="9"/>
+                                        </p:tgtEl>
+                                        <p:attrNameLst>
+                                          <p:attrName>style.visibility</p:attrName>
+                                        </p:attrNameLst>
+                                      </p:cBhvr>
+                                      <p:to>
+                                        <p:strVal val="visible"/>
+                                      </p:to>
+                                    </p:set>
+                                  </p:childTnLst>
+                                </p:cTn>
+                              </p:par>
+                              <p:par>
+                                <p:cTn id="7" presetID="1" presetClass="entr" presetSubtype="0" fill="hold" grpId="0" nodeType="withEffect">
+                                  <p:stCondLst>
+                                    <p:cond delay="0"/>
+                                  </p:stCondLst>
+                                  <p:childTnLst>
+                                    <p:set>
+                                      <p:cBhvr>
+                                        <p:cTn id="8" dur="1" fill="hold">
+                                          <p:stCondLst>
+                                            <p:cond delay="0"/>
+                                          </p:stCondLst>
+                                        </p:cTn>
+                                        <p:tgtEl>
+                                          <p:spTgt spid="16"/>
+                                        </p:tgtEl>
+                                        <p:attrNameLst>
+                                          <p:attrName>style.visibility</p:attrName>
+                                        </p:attrNameLst>
+                                      </p:cBhvr>
+                                      <p:to>
+                                        <p:strVal val="visible"/>
+                                      </p:to>
+                                    </p:set>
+                                  </p:childTnLst>
+                                </p:cTn>
+                              </p:par>
+                              <p:par>
+                                <p:cTn id="9" presetID="1" presetClass="entr" presetSubtype="0" fill="hold" nodeType="withEffect">
+                                  <p:stCondLst>
+                                    <p:cond delay="0"/>
+                                  </p:stCondLst>
+                                  <p:childTnLst>
+                                    <p:set>
+                                      <p:cBhvr>
+                                        <p:cTn id="10" dur="1" fill="hold">
+                                          <p:stCondLst>
+                                            <p:cond delay="0"/>
+                                          </p:stCondLst>
+                                        </p:cTn>
+                                        <p:tgtEl>
+                                          <p:spTgt spid="19"/>
+                                        </p:tgtEl>
+                                        <p:attrNameLst>
+                                          <p:attrName>style.visibility</p:attrName>
+                                        </p:attrNameLst>
+                                      </p:cBhvr>
+                                      <p:to>
+                                        <p:strVal val="visible"/>
+                                      </p:to>
+                                    </p:set>
+                                  </p:childTnLst>
+                                </p:cTn>
+                              </p:par>
+                            </p:childTnLst>
+                          </p:cTn>
+                        </p:par>
+                      </p:childTnLst>
+                    </p:cTn>
+                  </p:par>
+                  <p:par>
+                    <p:cTn id="11" fill="hold">
+                      <p:stCondLst>
+                        <p:cond delay="indefinite"/>
+                      </p:stCondLst>
+                      <p:childTnLst>
+                        <p:par>
+                          <p:cTn id="12" fill="hold">
+                            <p:stCondLst>
+                              <p:cond delay="0"/>
+                            </p:stCondLst>
+                            <p:childTnLst>
+                              <p:par>
+                                <p:cTn id="13" presetID="1" presetClass="entr" presetSubtype="0" fill="hold" nodeType="clickEffect">
+                                  <p:stCondLst>
+                                    <p:cond delay="0"/>
+                                  </p:stCondLst>
+                                  <p:childTnLst>
+                                    <p:set>
+                                      <p:cBhvr>
+                                        <p:cTn id="14" dur="1" fill="hold">
+                                          <p:stCondLst>
+                                            <p:cond delay="0"/>
+                                          </p:stCondLst>
+                                        </p:cTn>
+                                        <p:tgtEl>
+                                          <p:spTgt spid="12"/>
+                                        </p:tgtEl>
+                                        <p:attrNameLst>
+                                          <p:attrName>style.visibility</p:attrName>
+                                        </p:attrNameLst>
+                                      </p:cBhvr>
+                                      <p:to>
+                                        <p:strVal val="visible"/>
+                                      </p:to>
+                                    </p:set>
+                                  </p:childTnLst>
+                                </p:cTn>
+                              </p:par>
+                              <p:par>
+                                <p:cTn id="15" presetID="1" presetClass="entr" presetSubtype="0" fill="hold" grpId="0" nodeType="withEffect">
+                                  <p:stCondLst>
+                                    <p:cond delay="0"/>
+                                  </p:stCondLst>
+                                  <p:childTnLst>
+                                    <p:set>
+                                      <p:cBhvr>
+                                        <p:cTn id="16" dur="1" fill="hold">
+                                          <p:stCondLst>
+                                            <p:cond delay="0"/>
+                                          </p:stCondLst>
+                                        </p:cTn>
+                                        <p:tgtEl>
+                                          <p:spTgt spid="17"/>
+                                        </p:tgtEl>
+                                        <p:attrNameLst>
+                                          <p:attrName>style.visibility</p:attrName>
+                                        </p:attrNameLst>
+                                      </p:cBhvr>
+                                      <p:to>
+                                        <p:strVal val="visible"/>
+                                      </p:to>
+                                    </p:set>
+                                  </p:childTnLst>
+                                </p:cTn>
+                              </p:par>
+                            </p:childTnLst>
+                          </p:cTn>
+                        </p:par>
+                      </p:childTnLst>
+                    </p:cTn>
+                  </p:par>
+                </p:childTnLst>
+              </p:cTn>
+              <p:prevCondLst>
+                <p:cond evt="onPrev" delay="0">
+                  <p:tgtEl>
+                    <p:sldTgt/>
+                  </p:tgtEl>
+                </p:cond>
+              </p:prevCondLst>
+              <p:nextCondLst>
+                <p:cond evt="onNext" delay="0">
+                  <p:tgtEl>
+                    <p:sldTgt/>
+                  </p:tgtEl>
+                </p:cond>
+              </p:nextCondLst>
+            </p:seq>
+          </p:childTnLst>
+        </p:cTn>
       </p:par>
     </p:tnLst>
+    <p:bldLst>
+      <p:bldP spid="16" grpId="0"/>
+      <p:bldP spid="17" grpId="0"/>
+    </p:bldLst>
   </p:timing>
 </p:sld>
 </file>
